--- a/Courses/Computer-Modeling-and-IT/Computer-Modeling-and-IT-5-Class/23-Typing-and-Editing-Text/23-Typing-and-Editing-Text.pptx
+++ b/Courses/Computer-Modeling-and-IT/Computer-Modeling-and-IT-5-Class/23-Typing-and-Editing-Text/23-Typing-and-Editing-Text.pptx
@@ -283,7 +283,7 @@
           <a:p>
             <a:fld id="{4E087215-0C8F-4762-A664-737A353EC9A4}" type="datetimeFigureOut">
               <a:rPr lang="bg-BG" smtClean="0"/>
-              <a:t>19.2.2024 г.</a:t>
+              <a:t>23.2.2024 г.</a:t>
             </a:fld>
             <a:endParaRPr lang="bg-BG"/>
           </a:p>
@@ -479,7 +479,7 @@
           <a:p>
             <a:fld id="{72D84649-876A-46C9-8472-14CB09C070D8}" type="datetimeFigureOut">
               <a:rPr lang="en-US" smtClean="0"/>
-              <a:t>2/19/2024</a:t>
+              <a:t>2/23/2024</a:t>
             </a:fld>
             <a:endParaRPr lang="en-US"/>
           </a:p>
@@ -7119,6 +7119,36 @@
           </a:p>
         </p:txBody>
       </p:sp>
+      <p:pic>
+        <p:nvPicPr>
+          <p:cNvPr id="5" name="Picture 4"/>
+          <p:cNvPicPr>
+            <a:picLocks noChangeAspect="1"/>
+          </p:cNvPicPr>
+          <p:nvPr/>
+        </p:nvPicPr>
+        <p:blipFill>
+          <a:blip r:embed="rId5">
+            <a:extLst>
+              <a:ext uri="{28A0092B-C50C-407E-A947-70E740481C1C}">
+                <a14:useLocalDpi xmlns:a14="http://schemas.microsoft.com/office/drawing/2010/main" val="0"/>
+              </a:ext>
+            </a:extLst>
+          </a:blip>
+          <a:stretch>
+            <a:fillRect/>
+          </a:stretch>
+        </p:blipFill>
+        <p:spPr>
+          <a:xfrm>
+            <a:off x="534045" y="2920610"/>
+            <a:ext cx="2425079" cy="1085314"/>
+          </a:xfrm>
+          <a:prstGeom prst="rect">
+            <a:avLst/>
+          </a:prstGeom>
+        </p:spPr>
+      </p:pic>
     </p:spTree>
     <p:extLst>
       <p:ext uri="{BB962C8B-B14F-4D97-AF65-F5344CB8AC3E}">
@@ -10880,7 +10910,7 @@
                 <a:hlinkClick r:id="rId3">
                   <a:extLst>
                     <a:ext uri="{A12FA001-AC4F-418D-AE19-62706E023703}">
-                      <ahyp:hlinkClr xmlns="" xmlns:ahyp="http://schemas.microsoft.com/office/drawing/2018/hyperlinkcolor" val="tx"/>
+                      <ahyp:hlinkClr xmlns:ahyp="http://schemas.microsoft.com/office/drawing/2018/hyperlinkcolor" xmlns="" val="tx"/>
                     </a:ext>
                   </a:extLst>
                 </a:hlinkClick>

--- a/Courses/Computer-Modeling-and-IT/Computer-Modeling-and-IT-5-Class/23-Typing-and-Editing-Text/23-Typing-and-Editing-Text.pptx
+++ b/Courses/Computer-Modeling-and-IT/Computer-Modeling-and-IT-5-Class/23-Typing-and-Editing-Text/23-Typing-and-Editing-Text.pptx
@@ -283,7 +283,7 @@
           <a:p>
             <a:fld id="{4E087215-0C8F-4762-A664-737A353EC9A4}" type="datetimeFigureOut">
               <a:rPr lang="bg-BG" smtClean="0"/>
-              <a:t>23.2.2024 г.</a:t>
+              <a:t>27.02.24 г.</a:t>
             </a:fld>
             <a:endParaRPr lang="bg-BG"/>
           </a:p>
@@ -479,7 +479,7 @@
           <a:p>
             <a:fld id="{72D84649-876A-46C9-8472-14CB09C070D8}" type="datetimeFigureOut">
               <a:rPr lang="en-US" smtClean="0"/>
-              <a:t>2/23/2024</a:t>
+              <a:t>2/27/24</a:t>
             </a:fld>
             <a:endParaRPr lang="en-US"/>
           </a:p>
@@ -7141,8 +7141,8 @@
         </p:blipFill>
         <p:spPr>
           <a:xfrm>
-            <a:off x="534045" y="2920610"/>
-            <a:ext cx="2425079" cy="1085314"/>
+            <a:off x="534045" y="2986900"/>
+            <a:ext cx="2276955" cy="1019023"/>
           </a:xfrm>
           <a:prstGeom prst="rect">
             <a:avLst/>
@@ -7343,10 +7343,6 @@
             <a:r>
               <a:rPr lang="en-US" b="1" dirty="0"/>
               <a:t> </a:t>
-            </a:r>
-            <a:r>
-              <a:rPr lang="bg-BG" b="1" dirty="0"/>
-              <a:t/>
             </a:r>
             <a:br>
               <a:rPr lang="bg-BG" b="1" dirty="0"/>
@@ -8285,7 +8281,7 @@
           <a:p>
             <a:r>
               <a:rPr lang="bg-BG" dirty="0"/>
-              <a:t>Вмъкване и заместване – Видео</a:t>
+              <a:t>Вмъкване и заместване – видео</a:t>
             </a:r>
             <a:endParaRPr lang="en-US" dirty="0"/>
           </a:p>
@@ -8883,23 +8879,15 @@
               <a:t>[</a:t>
             </a:r>
             <a:r>
-              <a:rPr lang="en-US" b="1" dirty="0" smtClean="0"/>
+              <a:rPr lang="en-US" b="1" dirty="0"/>
               <a:t>Ctrl</a:t>
             </a:r>
             <a:r>
               <a:rPr lang="en-US" dirty="0"/>
-              <a:t>]</a:t>
-            </a:r>
-            <a:r>
-              <a:rPr lang="en-US" dirty="0" smtClean="0"/>
-              <a:t> </a:t>
-            </a:r>
-            <a:r>
-              <a:rPr lang="en-US" dirty="0"/>
-              <a:t>+ [</a:t>
-            </a:r>
-            <a:r>
-              <a:rPr lang="en-US" b="1" dirty="0" smtClean="0"/>
+              <a:t>] + [</a:t>
+            </a:r>
+            <a:r>
+              <a:rPr lang="en-US" b="1" dirty="0"/>
               <a:t>V</a:t>
             </a:r>
             <a:r>
@@ -10910,7 +10898,7 @@
                 <a:hlinkClick r:id="rId3">
                   <a:extLst>
                     <a:ext uri="{A12FA001-AC4F-418D-AE19-62706E023703}">
-                      <ahyp:hlinkClr xmlns:ahyp="http://schemas.microsoft.com/office/drawing/2018/hyperlinkcolor" xmlns="" val="tx"/>
+                      <ahyp:hlinkClr xmlns:ahyp="http://schemas.microsoft.com/office/drawing/2018/hyperlinkcolor" val="tx"/>
                     </a:ext>
                   </a:extLst>
                 </a:hlinkClick>
@@ -10983,13 +10971,6 @@
       <p:transition spd="slow" advClick="0" advTm="5000"/>
     </mc:Fallback>
   </mc:AlternateContent>
-  <p:timing>
-    <p:tnLst>
-      <p:par>
-        <p:cTn id="1" dur="indefinite" restart="never" nodeType="tmRoot"/>
-      </p:par>
-    </p:tnLst>
-  </p:timing>
 </p:sld>
 </file>
 
@@ -11373,13 +11354,6 @@
       <p:transition spd="slow" advClick="0" advTm="5000"/>
     </mc:Fallback>
   </mc:AlternateContent>
-  <p:timing>
-    <p:tnLst>
-      <p:par>
-        <p:cTn id="1" dur="indefinite" restart="never" nodeType="tmRoot"/>
-      </p:par>
-    </p:tnLst>
-  </p:timing>
 </p:sld>
 </file>
 
@@ -11760,16 +11734,21 @@
             <p:ph type="title" sz="quarter" idx="10"/>
           </p:nvPr>
         </p:nvSpPr>
-        <p:spPr/>
+        <p:spPr>
+          <a:xfrm>
+            <a:off x="615108" y="4959000"/>
+            <a:ext cx="10961783" cy="768084"/>
+          </a:xfrm>
+        </p:spPr>
         <p:txBody>
           <a:bodyPr/>
           <a:lstStyle/>
           <a:p>
             <a:r>
-              <a:rPr lang="bg-BG" smtClean="0"/>
+              <a:rPr lang="bg-BG" dirty="0"/>
               <a:t>Въвеждане на текст</a:t>
             </a:r>
-            <a:endParaRPr lang="en-US"/>
+            <a:endParaRPr lang="en-US" dirty="0"/>
           </a:p>
         </p:txBody>
       </p:sp>
@@ -11802,12 +11781,15 @@
             <a:avLst/>
           </a:prstGeom>
           <a:ln>
-            <a:solidFill>
-              <a:schemeClr val="bg2">
-                <a:lumMod val="75000"/>
-              </a:schemeClr>
-            </a:solidFill>
+            <a:noFill/>
           </a:ln>
+          <a:effectLst>
+            <a:outerShdw blurRad="292100" dist="139700" dir="2700000" algn="tl" rotWithShape="0">
+              <a:srgbClr val="333333">
+                <a:alpha val="65000"/>
+              </a:srgbClr>
+            </a:outerShdw>
+          </a:effectLst>
         </p:spPr>
       </p:pic>
     </p:spTree>
@@ -11870,12 +11852,19 @@
         </p:blipFill>
         <p:spPr>
           <a:xfrm>
-            <a:off x="3219247" y="3639041"/>
-            <a:ext cx="7614139" cy="2912577"/>
+            <a:off x="2631000" y="3639041"/>
+            <a:ext cx="8151708" cy="3118209"/>
           </a:xfrm>
           <a:prstGeom prst="rect">
             <a:avLst/>
           </a:prstGeom>
+          <a:ln>
+            <a:solidFill>
+              <a:schemeClr val="bg2">
+                <a:lumMod val="75000"/>
+              </a:schemeClr>
+            </a:solidFill>
+          </a:ln>
         </p:spPr>
       </p:pic>
       <p:sp>
@@ -12267,7 +12256,7 @@
           <a:lstStyle/>
           <a:p>
             <a:r>
-              <a:rPr lang="bg-BG" smtClean="0"/>
+              <a:rPr lang="bg-BG"/>
               <a:t>Селектиране на текст</a:t>
             </a:r>
             <a:endParaRPr lang="en-US"/>
@@ -12320,7 +12309,7 @@
           <a:lstStyle/>
           <a:p>
             <a:r>
-              <a:rPr lang="ru-RU" smtClean="0"/>
+              <a:rPr lang="ru-RU"/>
               <a:t>Методи за маркиране на текст</a:t>
             </a:r>
             <a:endParaRPr lang="en-US"/>
@@ -12345,13 +12334,6 @@
       <p:transition spd="slow" advClick="0" advTm="5000"/>
     </mc:Fallback>
   </mc:AlternateContent>
-  <p:timing>
-    <p:tnLst>
-      <p:par>
-        <p:cTn id="1" dur="indefinite" restart="never" nodeType="tmRoot"/>
-      </p:par>
-    </p:tnLst>
-  </p:timing>
 </p:sld>
 </file>
 
@@ -13978,13 +13960,6 @@
       <p:transition spd="slow" advClick="0" advTm="5000"/>
     </mc:Fallback>
   </mc:AlternateContent>
-  <p:timing>
-    <p:tnLst>
-      <p:par>
-        <p:cTn id="1" dur="indefinite" restart="never" nodeType="tmRoot"/>
-      </p:par>
-    </p:tnLst>
-  </p:timing>
 </p:sld>
 </file>
 
@@ -14030,7 +14005,7 @@
             </a:r>
             <a:r>
               <a:rPr lang="bg-BG" dirty="0"/>
-              <a:t>Видео</a:t>
+              <a:t>видео</a:t>
             </a:r>
             <a:endParaRPr lang="en-US" dirty="0"/>
           </a:p>
@@ -14133,13 +14108,6 @@
       <p:transition spd="slow" advClick="0" advTm="5000"/>
     </mc:Fallback>
   </mc:AlternateContent>
-  <p:timing>
-    <p:tnLst>
-      <p:par>
-        <p:cTn id="1" dur="indefinite" restart="never" nodeType="tmRoot"/>
-      </p:par>
-    </p:tnLst>
-  </p:timing>
 </p:sld>
 </file>
 
@@ -14176,7 +14144,7 @@
           <a:lstStyle/>
           <a:p>
             <a:r>
-              <a:rPr lang="bg-BG" smtClean="0"/>
+              <a:rPr lang="bg-BG"/>
               <a:t>Редактиране на текст</a:t>
             </a:r>
             <a:endParaRPr lang="en-US"/>
@@ -14231,13 +14199,6 @@
       <p:transition spd="slow" advClick="0" advTm="5000"/>
     </mc:Fallback>
   </mc:AlternateContent>
-  <p:timing>
-    <p:tnLst>
-      <p:par>
-        <p:cTn id="1" dur="indefinite" restart="never" nodeType="tmRoot"/>
-      </p:par>
-    </p:tnLst>
-  </p:timing>
 </p:sld>
 </file>
 

--- a/Courses/Computer-Modeling-and-IT/Computer-Modeling-and-IT-5-Class/23-Typing-and-Editing-Text/23-Typing-and-Editing-Text.pptx
+++ b/Courses/Computer-Modeling-and-IT/Computer-Modeling-and-IT-5-Class/23-Typing-and-Editing-Text/23-Typing-and-Editing-Text.pptx
@@ -5,10 +5,10 @@
     <p:sldMasterId id="2147483675" r:id="rId1"/>
   </p:sldMasterIdLst>
   <p:notesMasterIdLst>
-    <p:notesMasterId r:id="rId19"/>
+    <p:notesMasterId r:id="rId22"/>
   </p:notesMasterIdLst>
   <p:handoutMasterIdLst>
-    <p:handoutMasterId r:id="rId20"/>
+    <p:handoutMasterId r:id="rId23"/>
   </p:handoutMasterIdLst>
   <p:sldIdLst>
     <p:sldId id="256" r:id="rId2"/>
@@ -23,11 +23,14 @@
     <p:sldId id="265" r:id="rId11"/>
     <p:sldId id="266" r:id="rId12"/>
     <p:sldId id="267" r:id="rId13"/>
-    <p:sldId id="268" r:id="rId14"/>
-    <p:sldId id="269" r:id="rId15"/>
-    <p:sldId id="270" r:id="rId16"/>
-    <p:sldId id="273" r:id="rId17"/>
-    <p:sldId id="274" r:id="rId18"/>
+    <p:sldId id="275" r:id="rId14"/>
+    <p:sldId id="268" r:id="rId15"/>
+    <p:sldId id="276" r:id="rId16"/>
+    <p:sldId id="269" r:id="rId17"/>
+    <p:sldId id="277" r:id="rId18"/>
+    <p:sldId id="270" r:id="rId19"/>
+    <p:sldId id="273" r:id="rId20"/>
+    <p:sldId id="274" r:id="rId21"/>
   </p:sldIdLst>
   <p:sldSz cx="12192000" cy="6858000"/>
   <p:notesSz cx="6858000" cy="9144000"/>
@@ -155,8 +158,11 @@
             <p14:sldId id="265"/>
             <p14:sldId id="266"/>
             <p14:sldId id="267"/>
+            <p14:sldId id="275"/>
             <p14:sldId id="268"/>
+            <p14:sldId id="276"/>
             <p14:sldId id="269"/>
+            <p14:sldId id="277"/>
           </p14:sldIdLst>
         </p14:section>
         <p14:section name="Заключение" id="{6BD5D1D9-588C-45CD-A58E-B2D997109EF9}">
@@ -283,7 +289,7 @@
           <a:p>
             <a:fld id="{4E087215-0C8F-4762-A664-737A353EC9A4}" type="datetimeFigureOut">
               <a:rPr lang="bg-BG" smtClean="0"/>
-              <a:t>27.02.24 г.</a:t>
+              <a:t>21.12.2024 г.</a:t>
             </a:fld>
             <a:endParaRPr lang="bg-BG"/>
           </a:p>
@@ -479,7 +485,7 @@
           <a:p>
             <a:fld id="{72D84649-876A-46C9-8472-14CB09C070D8}" type="datetimeFigureOut">
               <a:rPr lang="en-US" smtClean="0"/>
-              <a:t>2/27/24</a:t>
+              <a:t>12/21/2024</a:t>
             </a:fld>
             <a:endParaRPr lang="en-US"/>
           </a:p>
@@ -1258,7 +1264,7 @@
             <a:fld id="{3EBA5BD7-F043-4D1B-AA17-CD412FC534DE}" type="slidenum">
               <a:rPr lang="en-US" smtClean="0"/>
               <a:pPr/>
-              <a:t>15</a:t>
+              <a:t>18</a:t>
             </a:fld>
             <a:endParaRPr lang="en-US" dirty="0"/>
           </a:p>
@@ -1504,7 +1510,7 @@
             <a:fld id="{3EBA5BD7-F043-4D1B-AA17-CD412FC534DE}" type="slidenum">
               <a:rPr lang="en-US" smtClean="0"/>
               <a:pPr/>
-              <a:t>16</a:t>
+              <a:t>19</a:t>
             </a:fld>
             <a:endParaRPr lang="en-US" dirty="0"/>
           </a:p>
@@ -1750,7 +1756,7 @@
             <a:fld id="{3EBA5BD7-F043-4D1B-AA17-CD412FC534DE}" type="slidenum">
               <a:rPr lang="en-US" smtClean="0"/>
               <a:pPr/>
-              <a:t>17</a:t>
+              <a:t>20</a:t>
             </a:fld>
             <a:endParaRPr lang="en-US" dirty="0"/>
           </a:p>
@@ -8104,15 +8110,33 @@
                                   </p:childTnLst>
                                 </p:cTn>
                               </p:par>
+                            </p:childTnLst>
+                          </p:cTn>
+                        </p:par>
+                      </p:childTnLst>
+                    </p:cTn>
+                  </p:par>
+                  <p:par>
+                    <p:cTn id="11" fill="hold">
+                      <p:stCondLst>
+                        <p:cond delay="indefinite"/>
+                      </p:stCondLst>
+                      <p:childTnLst>
+                        <p:par>
+                          <p:cTn id="12" fill="hold">
+                            <p:stCondLst>
+                              <p:cond delay="0"/>
+                            </p:stCondLst>
+                            <p:childTnLst>
                               <p:par>
-                                <p:cTn id="11" presetID="1" presetClass="entr" presetSubtype="0" fill="hold" nodeType="withEffect">
+                                <p:cTn id="13" presetID="1" presetClass="entr" presetSubtype="0" fill="hold" nodeType="clickEffect">
                                   <p:stCondLst>
                                     <p:cond delay="0"/>
                                   </p:stCondLst>
                                   <p:childTnLst>
                                     <p:set>
                                       <p:cBhvr>
-                                        <p:cTn id="12" dur="1" fill="hold">
+                                        <p:cTn id="14" dur="1" fill="hold">
                                           <p:stCondLst>
                                             <p:cond delay="0"/>
                                           </p:stCondLst>
@@ -8142,26 +8166,26 @@
                     </p:cTn>
                   </p:par>
                   <p:par>
-                    <p:cTn id="13" fill="hold">
+                    <p:cTn id="15" fill="hold">
                       <p:stCondLst>
                         <p:cond delay="indefinite"/>
                       </p:stCondLst>
                       <p:childTnLst>
                         <p:par>
-                          <p:cTn id="14" fill="hold">
+                          <p:cTn id="16" fill="hold">
                             <p:stCondLst>
                               <p:cond delay="0"/>
                             </p:stCondLst>
                             <p:childTnLst>
                               <p:par>
-                                <p:cTn id="15" presetID="1" presetClass="entr" presetSubtype="0" fill="hold" nodeType="clickEffect">
+                                <p:cTn id="17" presetID="1" presetClass="entr" presetSubtype="0" fill="hold" nodeType="clickEffect">
                                   <p:stCondLst>
                                     <p:cond delay="0"/>
                                   </p:stCondLst>
                                   <p:childTnLst>
                                     <p:set>
                                       <p:cBhvr>
-                                        <p:cTn id="16" dur="1" fill="hold">
+                                        <p:cTn id="18" dur="1" fill="hold">
                                           <p:stCondLst>
                                             <p:cond delay="0"/>
                                           </p:stCondLst>
@@ -8234,38 +8258,6 @@
       </p:grpSpPr>
       <p:sp>
         <p:nvSpPr>
-          <p:cNvPr id="2" name="Text Placeholder 1"/>
-          <p:cNvSpPr>
-            <a:spLocks noGrp="1"/>
-          </p:cNvSpPr>
-          <p:nvPr>
-            <p:ph type="body" sz="quarter" idx="10"/>
-          </p:nvPr>
-        </p:nvSpPr>
-        <p:spPr>
-          <a:xfrm>
-            <a:off x="190402" y="1196125"/>
-            <a:ext cx="2914748" cy="937475"/>
-          </a:xfrm>
-        </p:spPr>
-        <p:txBody>
-          <a:bodyPr/>
-          <a:lstStyle/>
-          <a:p>
-            <a:r>
-              <a:rPr lang="bg-BG" b="1" dirty="0"/>
-              <a:t>Вмъкване</a:t>
-            </a:r>
-            <a:r>
-              <a:rPr lang="bg-BG" dirty="0"/>
-              <a:t>:</a:t>
-            </a:r>
-            <a:endParaRPr lang="en-US" dirty="0"/>
-          </a:p>
-        </p:txBody>
-      </p:sp>
-      <p:sp>
-        <p:nvSpPr>
           <p:cNvPr id="3" name="Title 2"/>
           <p:cNvSpPr>
             <a:spLocks noGrp="1"/>
@@ -8281,7 +8273,15 @@
           <a:p>
             <a:r>
               <a:rPr lang="bg-BG" dirty="0"/>
-              <a:t>Вмъкване и заместване – видео</a:t>
+              <a:t>Вмъкване</a:t>
+            </a:r>
+            <a:r>
+              <a:rPr lang="en-GB" dirty="0"/>
+              <a:t> </a:t>
+            </a:r>
+            <a:r>
+              <a:rPr lang="bg-BG" dirty="0"/>
+              <a:t>– видео</a:t>
             </a:r>
             <a:endParaRPr lang="en-US" dirty="0"/>
           </a:p>
@@ -8303,252 +8303,13 @@
               </a:ext>
             </a:extLst>
           </a:blip>
-          <a:stretch>
-            <a:fillRect/>
-          </a:stretch>
+          <a:srcRect/>
+          <a:stretch/>
         </p:blipFill>
         <p:spPr>
           <a:xfrm>
-            <a:off x="2638503" y="1814732"/>
-            <a:ext cx="6914995" cy="2029990"/>
-          </a:xfrm>
-          <a:prstGeom prst="rect">
-            <a:avLst/>
-          </a:prstGeom>
-          <a:ln>
-            <a:solidFill>
-              <a:schemeClr val="bg2">
-                <a:lumMod val="75000"/>
-              </a:schemeClr>
-            </a:solidFill>
-          </a:ln>
-        </p:spPr>
-      </p:pic>
-      <p:sp>
-        <p:nvSpPr>
-          <p:cNvPr id="6" name="Text Placeholder 1"/>
-          <p:cNvSpPr txBox="1">
-            <a:spLocks/>
-          </p:cNvSpPr>
-          <p:nvPr/>
-        </p:nvSpPr>
-        <p:spPr>
-          <a:xfrm>
-            <a:off x="190402" y="3844722"/>
-            <a:ext cx="3352898" cy="937475"/>
-          </a:xfrm>
-          <a:prstGeom prst="rect">
-            <a:avLst/>
-          </a:prstGeom>
-        </p:spPr>
-        <p:txBody>
-          <a:bodyPr vert="horz" lIns="108000" tIns="36000" rIns="108000" bIns="36000" rtlCol="0">
-            <a:normAutofit/>
-          </a:bodyPr>
-          <a:lstStyle>
-            <a:lvl1pPr marL="456915" indent="-456915" algn="l" defTabSz="1218438" rtl="0" eaLnBrk="1" latinLnBrk="0" hangingPunct="1">
-              <a:lnSpc>
-                <a:spcPct val="105000"/>
-              </a:lnSpc>
-              <a:spcBef>
-                <a:spcPts val="600"/>
-              </a:spcBef>
-              <a:spcAft>
-                <a:spcPts val="600"/>
-              </a:spcAft>
-              <a:buFont typeface="Wingdings" panose="05000000000000000000" pitchFamily="2" charset="2"/>
-              <a:buChar char="§"/>
-              <a:defRPr sz="3398" kern="1200">
-                <a:solidFill>
-                  <a:schemeClr val="tx1"/>
-                </a:solidFill>
-                <a:latin typeface="+mn-lt"/>
-                <a:ea typeface="+mn-ea"/>
-                <a:cs typeface="+mn-cs"/>
-              </a:defRPr>
-            </a:lvl1pPr>
-            <a:lvl2pPr marL="989981" indent="-380762" algn="l" defTabSz="1218438" rtl="0" eaLnBrk="1" latinLnBrk="0" hangingPunct="1">
-              <a:lnSpc>
-                <a:spcPct val="105000"/>
-              </a:lnSpc>
-              <a:spcBef>
-                <a:spcPts val="600"/>
-              </a:spcBef>
-              <a:spcAft>
-                <a:spcPts val="600"/>
-              </a:spcAft>
-              <a:buFont typeface="Wingdings" panose="05000000000000000000" pitchFamily="2" charset="2"/>
-              <a:buChar char="§"/>
-              <a:defRPr sz="3198" kern="1200">
-                <a:solidFill>
-                  <a:schemeClr val="tx1"/>
-                </a:solidFill>
-                <a:latin typeface="+mn-lt"/>
-                <a:ea typeface="+mn-ea"/>
-                <a:cs typeface="+mn-cs"/>
-              </a:defRPr>
-            </a:lvl2pPr>
-            <a:lvl3pPr marL="1523048" indent="-304610" algn="l" defTabSz="1218438" rtl="0" eaLnBrk="1" latinLnBrk="0" hangingPunct="1">
-              <a:lnSpc>
-                <a:spcPct val="105000"/>
-              </a:lnSpc>
-              <a:spcBef>
-                <a:spcPts val="600"/>
-              </a:spcBef>
-              <a:spcAft>
-                <a:spcPts val="600"/>
-              </a:spcAft>
-              <a:buFont typeface="Wingdings" panose="05000000000000000000" pitchFamily="2" charset="2"/>
-              <a:buChar char="§"/>
-              <a:defRPr sz="2998" kern="1200">
-                <a:solidFill>
-                  <a:schemeClr val="tx1"/>
-                </a:solidFill>
-                <a:latin typeface="+mn-lt"/>
-                <a:ea typeface="+mn-ea"/>
-                <a:cs typeface="+mn-cs"/>
-              </a:defRPr>
-            </a:lvl3pPr>
-            <a:lvl4pPr marL="2132267" indent="-304610" algn="l" defTabSz="1218438" rtl="0" eaLnBrk="1" latinLnBrk="0" hangingPunct="1">
-              <a:lnSpc>
-                <a:spcPct val="105000"/>
-              </a:lnSpc>
-              <a:spcBef>
-                <a:spcPts val="600"/>
-              </a:spcBef>
-              <a:spcAft>
-                <a:spcPts val="600"/>
-              </a:spcAft>
-              <a:buFont typeface="Wingdings" panose="05000000000000000000" pitchFamily="2" charset="2"/>
-              <a:buChar char="§"/>
-              <a:defRPr sz="2798" kern="1200">
-                <a:solidFill>
-                  <a:schemeClr val="tx1"/>
-                </a:solidFill>
-                <a:latin typeface="+mn-lt"/>
-                <a:ea typeface="+mn-ea"/>
-                <a:cs typeface="+mn-cs"/>
-              </a:defRPr>
-            </a:lvl4pPr>
-            <a:lvl5pPr marL="2741485" indent="-304610" algn="l" defTabSz="1218438" rtl="0" eaLnBrk="1" latinLnBrk="0" hangingPunct="1">
-              <a:lnSpc>
-                <a:spcPct val="105000"/>
-              </a:lnSpc>
-              <a:spcBef>
-                <a:spcPts val="600"/>
-              </a:spcBef>
-              <a:spcAft>
-                <a:spcPts val="600"/>
-              </a:spcAft>
-              <a:buFont typeface="Wingdings" panose="05000000000000000000" pitchFamily="2" charset="2"/>
-              <a:buChar char="§"/>
-              <a:defRPr sz="2598" kern="1200">
-                <a:solidFill>
-                  <a:schemeClr val="tx1"/>
-                </a:solidFill>
-                <a:latin typeface="+mn-lt"/>
-                <a:ea typeface="+mn-ea"/>
-                <a:cs typeface="+mn-cs"/>
-              </a:defRPr>
-            </a:lvl5pPr>
-            <a:lvl6pPr marL="3350704" indent="-304610" algn="l" defTabSz="1218438" rtl="0" eaLnBrk="1" latinLnBrk="0" hangingPunct="1">
-              <a:spcBef>
-                <a:spcPct val="20000"/>
-              </a:spcBef>
-              <a:buFont typeface="Arial" pitchFamily="34" charset="0"/>
-              <a:buChar char="•"/>
-              <a:defRPr sz="2665" kern="1200">
-                <a:solidFill>
-                  <a:schemeClr val="tx1"/>
-                </a:solidFill>
-                <a:latin typeface="+mn-lt"/>
-                <a:ea typeface="+mn-ea"/>
-                <a:cs typeface="+mn-cs"/>
-              </a:defRPr>
-            </a:lvl6pPr>
-            <a:lvl7pPr marL="3959924" indent="-304610" algn="l" defTabSz="1218438" rtl="0" eaLnBrk="1" latinLnBrk="0" hangingPunct="1">
-              <a:spcBef>
-                <a:spcPct val="20000"/>
-              </a:spcBef>
-              <a:buFont typeface="Arial" pitchFamily="34" charset="0"/>
-              <a:buChar char="•"/>
-              <a:defRPr sz="2665" kern="1200">
-                <a:solidFill>
-                  <a:schemeClr val="tx1"/>
-                </a:solidFill>
-                <a:latin typeface="+mn-lt"/>
-                <a:ea typeface="+mn-ea"/>
-                <a:cs typeface="+mn-cs"/>
-              </a:defRPr>
-            </a:lvl7pPr>
-            <a:lvl8pPr marL="4569143" indent="-304610" algn="l" defTabSz="1218438" rtl="0" eaLnBrk="1" latinLnBrk="0" hangingPunct="1">
-              <a:spcBef>
-                <a:spcPct val="20000"/>
-              </a:spcBef>
-              <a:buFont typeface="Arial" pitchFamily="34" charset="0"/>
-              <a:buChar char="•"/>
-              <a:defRPr sz="2665" kern="1200">
-                <a:solidFill>
-                  <a:schemeClr val="tx1"/>
-                </a:solidFill>
-                <a:latin typeface="+mn-lt"/>
-                <a:ea typeface="+mn-ea"/>
-                <a:cs typeface="+mn-cs"/>
-              </a:defRPr>
-            </a:lvl8pPr>
-            <a:lvl9pPr marL="5178362" indent="-304610" algn="l" defTabSz="1218438" rtl="0" eaLnBrk="1" latinLnBrk="0" hangingPunct="1">
-              <a:spcBef>
-                <a:spcPct val="20000"/>
-              </a:spcBef>
-              <a:buFont typeface="Arial" pitchFamily="34" charset="0"/>
-              <a:buChar char="•"/>
-              <a:defRPr sz="2665" kern="1200">
-                <a:solidFill>
-                  <a:schemeClr val="tx1"/>
-                </a:solidFill>
-                <a:latin typeface="+mn-lt"/>
-                <a:ea typeface="+mn-ea"/>
-                <a:cs typeface="+mn-cs"/>
-              </a:defRPr>
-            </a:lvl9pPr>
-          </a:lstStyle>
-          <a:p>
-            <a:r>
-              <a:rPr lang="bg-BG" b="1" dirty="0"/>
-              <a:t>Заместване</a:t>
-            </a:r>
-            <a:r>
-              <a:rPr lang="bg-BG" dirty="0"/>
-              <a:t>:</a:t>
-            </a:r>
-            <a:endParaRPr lang="en-US" dirty="0"/>
-          </a:p>
-        </p:txBody>
-      </p:sp>
-      <p:pic>
-        <p:nvPicPr>
-          <p:cNvPr id="7" name="Picture 6"/>
-          <p:cNvPicPr>
-            <a:picLocks noChangeAspect="1"/>
-          </p:cNvPicPr>
-          <p:nvPr/>
-        </p:nvPicPr>
-        <p:blipFill>
-          <a:blip r:embed="rId3">
-            <a:extLst>
-              <a:ext uri="{28A0092B-C50C-407E-A947-70E740481C1C}">
-                <a14:useLocalDpi xmlns:a14="http://schemas.microsoft.com/office/drawing/2010/main" val="0"/>
-              </a:ext>
-            </a:extLst>
-          </a:blip>
-          <a:stretch>
-            <a:fillRect/>
-          </a:stretch>
-        </p:blipFill>
-        <p:spPr>
-          <a:xfrm>
-            <a:off x="2638503" y="4521628"/>
-            <a:ext cx="6914995" cy="2029990"/>
+            <a:off x="915703" y="1228496"/>
+            <a:ext cx="10360594" cy="5452171"/>
           </a:xfrm>
           <a:prstGeom prst="rect">
             <a:avLst/>
@@ -8622,115 +8383,175 @@
       <p:transition spd="slow" advClick="0" advTm="5000"/>
     </mc:Fallback>
   </mc:AlternateContent>
-  <p:timing>
-    <p:tnLst>
-      <p:par>
-        <p:cTn id="1" dur="indefinite" restart="never" nodeType="tmRoot">
-          <p:childTnLst>
-            <p:seq concurrent="1" nextAc="seek">
-              <p:cTn id="2" dur="indefinite" nodeType="mainSeq">
-                <p:childTnLst>
-                  <p:par>
-                    <p:cTn id="3" fill="hold">
-                      <p:stCondLst>
-                        <p:cond delay="indefinite"/>
-                      </p:stCondLst>
-                      <p:childTnLst>
-                        <p:par>
-                          <p:cTn id="4" fill="hold">
-                            <p:stCondLst>
-                              <p:cond delay="0"/>
-                            </p:stCondLst>
-                            <p:childTnLst>
-                              <p:par>
-                                <p:cTn id="5" presetID="1" presetClass="entr" presetSubtype="0" fill="hold" grpId="0" nodeType="clickEffect">
-                                  <p:stCondLst>
-                                    <p:cond delay="0"/>
-                                  </p:stCondLst>
-                                  <p:childTnLst>
-                                    <p:set>
-                                      <p:cBhvr>
-                                        <p:cTn id="6" dur="1" fill="hold">
-                                          <p:stCondLst>
-                                            <p:cond delay="0"/>
-                                          </p:stCondLst>
-                                        </p:cTn>
-                                        <p:tgtEl>
-                                          <p:spTgt spid="6"/>
-                                        </p:tgtEl>
-                                        <p:attrNameLst>
-                                          <p:attrName>style.visibility</p:attrName>
-                                        </p:attrNameLst>
-                                      </p:cBhvr>
-                                      <p:to>
-                                        <p:strVal val="visible"/>
-                                      </p:to>
-                                    </p:set>
-                                  </p:childTnLst>
-                                </p:cTn>
-                              </p:par>
-                              <p:par>
-                                <p:cTn id="7" presetID="1" presetClass="entr" presetSubtype="0" fill="hold" nodeType="withEffect">
-                                  <p:stCondLst>
-                                    <p:cond delay="0"/>
-                                  </p:stCondLst>
-                                  <p:childTnLst>
-                                    <p:set>
-                                      <p:cBhvr>
-                                        <p:cTn id="8" dur="1" fill="hold">
-                                          <p:stCondLst>
-                                            <p:cond delay="0"/>
-                                          </p:stCondLst>
-                                        </p:cTn>
-                                        <p:tgtEl>
-                                          <p:spTgt spid="7"/>
-                                        </p:tgtEl>
-                                        <p:attrNameLst>
-                                          <p:attrName>style.visibility</p:attrName>
-                                        </p:attrNameLst>
-                                      </p:cBhvr>
-                                      <p:to>
-                                        <p:strVal val="visible"/>
-                                      </p:to>
-                                    </p:set>
-                                  </p:childTnLst>
-                                </p:cTn>
-                              </p:par>
-                            </p:childTnLst>
-                          </p:cTn>
-                        </p:par>
-                      </p:childTnLst>
-                    </p:cTn>
-                  </p:par>
-                </p:childTnLst>
-              </p:cTn>
-              <p:prevCondLst>
-                <p:cond evt="onPrev" delay="0">
-                  <p:tgtEl>
-                    <p:sldTgt/>
-                  </p:tgtEl>
-                </p:cond>
-              </p:prevCondLst>
-              <p:nextCondLst>
-                <p:cond evt="onNext" delay="0">
-                  <p:tgtEl>
-                    <p:sldTgt/>
-                  </p:tgtEl>
-                </p:cond>
-              </p:nextCondLst>
-            </p:seq>
-          </p:childTnLst>
-        </p:cTn>
-      </p:par>
-    </p:tnLst>
-    <p:bldLst>
-      <p:bldP spid="6" grpId="0"/>
-    </p:bldLst>
-  </p:timing>
 </p:sld>
 </file>
 
 <file path=ppt/slides/slide13.xml><?xml version="1.0" encoding="utf-8"?>
+<p:sld xmlns:a="http://schemas.openxmlformats.org/drawingml/2006/main" xmlns:r="http://schemas.openxmlformats.org/officeDocument/2006/relationships" xmlns:p="http://schemas.openxmlformats.org/presentationml/2006/main">
+  <p:cSld>
+    <p:spTree>
+      <p:nvGrpSpPr>
+        <p:cNvPr id="1" name="">
+          <a:extLst>
+            <a:ext uri="{FF2B5EF4-FFF2-40B4-BE49-F238E27FC236}">
+              <a16:creationId xmlns:a16="http://schemas.microsoft.com/office/drawing/2014/main" id="{2B11656F-4631-2860-761C-340A6BCF0B88}"/>
+            </a:ext>
+          </a:extLst>
+        </p:cNvPr>
+        <p:cNvGrpSpPr/>
+        <p:nvPr/>
+      </p:nvGrpSpPr>
+      <p:grpSpPr>
+        <a:xfrm>
+          <a:off x="0" y="0"/>
+          <a:ext cx="0" cy="0"/>
+          <a:chOff x="0" y="0"/>
+          <a:chExt cx="0" cy="0"/>
+        </a:xfrm>
+      </p:grpSpPr>
+      <p:sp>
+        <p:nvSpPr>
+          <p:cNvPr id="3" name="Title 2">
+            <a:extLst>
+              <a:ext uri="{FF2B5EF4-FFF2-40B4-BE49-F238E27FC236}">
+                <a16:creationId xmlns:a16="http://schemas.microsoft.com/office/drawing/2014/main" id="{E41E5763-C037-9D35-475F-F13F5F955CAA}"/>
+              </a:ext>
+            </a:extLst>
+          </p:cNvPr>
+          <p:cNvSpPr>
+            <a:spLocks noGrp="1"/>
+          </p:cNvSpPr>
+          <p:nvPr>
+            <p:ph type="title"/>
+          </p:nvPr>
+        </p:nvSpPr>
+        <p:spPr/>
+        <p:txBody>
+          <a:bodyPr/>
+          <a:lstStyle/>
+          <a:p>
+            <a:r>
+              <a:rPr lang="bg-BG" dirty="0"/>
+              <a:t>Заместване</a:t>
+            </a:r>
+            <a:r>
+              <a:rPr lang="en-GB" dirty="0"/>
+              <a:t> </a:t>
+            </a:r>
+            <a:r>
+              <a:rPr lang="bg-BG" dirty="0"/>
+              <a:t>– видео</a:t>
+            </a:r>
+            <a:endParaRPr lang="en-US" dirty="0"/>
+          </a:p>
+        </p:txBody>
+      </p:sp>
+      <p:sp>
+        <p:nvSpPr>
+          <p:cNvPr id="8" name="Slide Number">
+            <a:extLst>
+              <a:ext uri="{FF2B5EF4-FFF2-40B4-BE49-F238E27FC236}">
+                <a16:creationId xmlns:a16="http://schemas.microsoft.com/office/drawing/2014/main" id="{31E57E02-B2CA-516E-AC45-BEB2AD3EDF0E}"/>
+              </a:ext>
+            </a:extLst>
+          </p:cNvPr>
+          <p:cNvSpPr>
+            <a:spLocks noGrp="1"/>
+          </p:cNvSpPr>
+          <p:nvPr>
+            <p:ph type="sldNum" sz="quarter" idx="5"/>
+          </p:nvPr>
+        </p:nvSpPr>
+        <p:spPr>
+          <a:xfrm>
+            <a:off x="11753030" y="6507000"/>
+            <a:ext cx="367414" cy="297000"/>
+          </a:xfrm>
+          <a:prstGeom prst="rect">
+            <a:avLst/>
+          </a:prstGeom>
+        </p:spPr>
+        <p:txBody>
+          <a:bodyPr vert="horz" lIns="91440" tIns="45720" rIns="91440" bIns="45720" rtlCol="0" anchor="b"/>
+          <a:lstStyle>
+            <a:lvl1pPr algn="r">
+              <a:defRPr sz="1000"/>
+            </a:lvl1pPr>
+          </a:lstStyle>
+          <a:p>
+            <a:fld id="{2BF067CD-8E6B-4360-9AA8-C5DF2A48A6D1}" type="slidenum">
+              <a:rPr lang="en-US" noProof="0" smtClean="0"/>
+              <a:pPr/>
+              <a:t>13</a:t>
+            </a:fld>
+            <a:endParaRPr lang="en-US" noProof="0" dirty="0"/>
+          </a:p>
+        </p:txBody>
+      </p:sp>
+      <p:pic>
+        <p:nvPicPr>
+          <p:cNvPr id="2" name="Picture 1">
+            <a:extLst>
+              <a:ext uri="{FF2B5EF4-FFF2-40B4-BE49-F238E27FC236}">
+                <a16:creationId xmlns:a16="http://schemas.microsoft.com/office/drawing/2014/main" id="{100CB25C-6C4F-BDE0-2FB0-5F40FA4E07B3}"/>
+              </a:ext>
+            </a:extLst>
+          </p:cNvPr>
+          <p:cNvPicPr>
+            <a:picLocks noChangeAspect="1"/>
+          </p:cNvPicPr>
+          <p:nvPr/>
+        </p:nvPicPr>
+        <p:blipFill>
+          <a:blip r:embed="rId2">
+            <a:extLst>
+              <a:ext uri="{28A0092B-C50C-407E-A947-70E740481C1C}">
+                <a14:useLocalDpi xmlns:a14="http://schemas.microsoft.com/office/drawing/2010/main" val="0"/>
+              </a:ext>
+            </a:extLst>
+          </a:blip>
+          <a:srcRect/>
+          <a:stretch/>
+        </p:blipFill>
+        <p:spPr>
+          <a:xfrm>
+            <a:off x="915703" y="1228496"/>
+            <a:ext cx="10360594" cy="5452170"/>
+          </a:xfrm>
+          <a:prstGeom prst="rect">
+            <a:avLst/>
+          </a:prstGeom>
+          <a:ln>
+            <a:solidFill>
+              <a:schemeClr val="bg2">
+                <a:lumMod val="75000"/>
+              </a:schemeClr>
+            </a:solidFill>
+          </a:ln>
+        </p:spPr>
+      </p:pic>
+    </p:spTree>
+    <p:extLst>
+      <p:ext uri="{BB962C8B-B14F-4D97-AF65-F5344CB8AC3E}">
+        <p14:creationId xmlns:p14="http://schemas.microsoft.com/office/powerpoint/2010/main" val="143950694"/>
+      </p:ext>
+    </p:extLst>
+  </p:cSld>
+  <p:clrMapOvr>
+    <a:masterClrMapping/>
+  </p:clrMapOvr>
+  <mc:AlternateContent xmlns:mc="http://schemas.openxmlformats.org/markup-compatibility/2006">
+    <mc:Choice xmlns:p14="http://schemas.microsoft.com/office/powerpoint/2010/main" Requires="p14">
+      <p:transition spd="slow" p14:dur="2000" advClick="0" advTm="5000"/>
+    </mc:Choice>
+    <mc:Fallback>
+      <p:transition spd="slow" advClick="0" advTm="5000"/>
+    </mc:Fallback>
+  </mc:AlternateContent>
+</p:sld>
+</file>
+
+<file path=ppt/slides/slide14.xml><?xml version="1.0" encoding="utf-8"?>
 <p:sld xmlns:a="http://schemas.openxmlformats.org/drawingml/2006/main" xmlns:r="http://schemas.openxmlformats.org/officeDocument/2006/relationships" xmlns:p="http://schemas.openxmlformats.org/presentationml/2006/main">
   <p:cSld>
     <p:spTree>
@@ -8920,43 +8741,6 @@
           </a:p>
         </p:txBody>
       </p:sp>
-      <p:pic>
-        <p:nvPicPr>
-          <p:cNvPr id="5" name="Picture 4"/>
-          <p:cNvPicPr>
-            <a:picLocks noChangeAspect="1"/>
-          </p:cNvPicPr>
-          <p:nvPr/>
-        </p:nvPicPr>
-        <p:blipFill>
-          <a:blip r:embed="rId2">
-            <a:extLst>
-              <a:ext uri="{28A0092B-C50C-407E-A947-70E740481C1C}">
-                <a14:useLocalDpi xmlns:a14="http://schemas.microsoft.com/office/drawing/2010/main" val="0"/>
-              </a:ext>
-            </a:extLst>
-          </a:blip>
-          <a:stretch>
-            <a:fillRect/>
-          </a:stretch>
-        </p:blipFill>
-        <p:spPr>
-          <a:xfrm>
-            <a:off x="1940593" y="3429000"/>
-            <a:ext cx="8310814" cy="3179070"/>
-          </a:xfrm>
-          <a:prstGeom prst="rect">
-            <a:avLst/>
-          </a:prstGeom>
-          <a:ln>
-            <a:solidFill>
-              <a:schemeClr val="bg2">
-                <a:lumMod val="75000"/>
-              </a:schemeClr>
-            </a:solidFill>
-          </a:ln>
-        </p:spPr>
-      </p:pic>
       <p:sp>
         <p:nvSpPr>
           <p:cNvPr id="6" name="Slide Number">
@@ -8993,12 +8777,49 @@
             <a:fld id="{2BF067CD-8E6B-4360-9AA8-C5DF2A48A6D1}" type="slidenum">
               <a:rPr lang="en-US" noProof="0" smtClean="0"/>
               <a:pPr/>
-              <a:t>13</a:t>
+              <a:t>14</a:t>
             </a:fld>
             <a:endParaRPr lang="en-US" noProof="0" dirty="0"/>
           </a:p>
         </p:txBody>
       </p:sp>
+      <p:pic>
+        <p:nvPicPr>
+          <p:cNvPr id="7" name="Picture 6">
+            <a:extLst>
+              <a:ext uri="{FF2B5EF4-FFF2-40B4-BE49-F238E27FC236}">
+                <a16:creationId xmlns:a16="http://schemas.microsoft.com/office/drawing/2014/main" id="{E1EE18A2-748E-37E6-40C7-473A6BD16DD4}"/>
+              </a:ext>
+            </a:extLst>
+          </p:cNvPr>
+          <p:cNvPicPr>
+            <a:picLocks noChangeAspect="1"/>
+          </p:cNvPicPr>
+          <p:nvPr/>
+        </p:nvPicPr>
+        <p:blipFill>
+          <a:blip r:embed="rId2"/>
+          <a:stretch>
+            <a:fillRect/>
+          </a:stretch>
+        </p:blipFill>
+        <p:spPr>
+          <a:xfrm>
+            <a:off x="4611000" y="4284000"/>
+            <a:ext cx="2970000" cy="1683000"/>
+          </a:xfrm>
+          <a:prstGeom prst="rect">
+            <a:avLst/>
+          </a:prstGeom>
+          <a:ln>
+            <a:solidFill>
+              <a:schemeClr val="bg2">
+                <a:lumMod val="75000"/>
+              </a:schemeClr>
+            </a:solidFill>
+          </a:ln>
+        </p:spPr>
+      </p:pic>
     </p:spTree>
     <p:extLst>
       <p:ext uri="{BB962C8B-B14F-4D97-AF65-F5344CB8AC3E}">
@@ -9149,7 +8970,7 @@
                                           </p:stCondLst>
                                         </p:cTn>
                                         <p:tgtEl>
-                                          <p:spTgt spid="5"/>
+                                          <p:spTgt spid="7"/>
                                         </p:tgtEl>
                                         <p:attrNameLst>
                                           <p:attrName>style.visibility</p:attrName>
@@ -9193,7 +9014,148 @@
 </p:sld>
 </file>
 
-<file path=ppt/slides/slide14.xml><?xml version="1.0" encoding="utf-8"?>
+<file path=ppt/slides/slide15.xml><?xml version="1.0" encoding="utf-8"?>
+<p:sld xmlns:a="http://schemas.openxmlformats.org/drawingml/2006/main" xmlns:r="http://schemas.openxmlformats.org/officeDocument/2006/relationships" xmlns:p="http://schemas.openxmlformats.org/presentationml/2006/main">
+  <p:cSld>
+    <p:spTree>
+      <p:nvGrpSpPr>
+        <p:cNvPr id="1" name=""/>
+        <p:cNvGrpSpPr/>
+        <p:nvPr/>
+      </p:nvGrpSpPr>
+      <p:grpSpPr>
+        <a:xfrm>
+          <a:off x="0" y="0"/>
+          <a:ext cx="0" cy="0"/>
+          <a:chOff x="0" y="0"/>
+          <a:chExt cx="0" cy="0"/>
+        </a:xfrm>
+      </p:grpSpPr>
+      <p:sp>
+        <p:nvSpPr>
+          <p:cNvPr id="2" name="Slide Number Placeholder 1">
+            <a:extLst>
+              <a:ext uri="{FF2B5EF4-FFF2-40B4-BE49-F238E27FC236}">
+                <a16:creationId xmlns:a16="http://schemas.microsoft.com/office/drawing/2014/main" id="{A9A3951C-26F1-6428-2DC1-DBCBCDAC82E9}"/>
+              </a:ext>
+            </a:extLst>
+          </p:cNvPr>
+          <p:cNvSpPr>
+            <a:spLocks noGrp="1"/>
+          </p:cNvSpPr>
+          <p:nvPr>
+            <p:ph type="sldNum" sz="quarter" idx="5"/>
+          </p:nvPr>
+        </p:nvSpPr>
+        <p:spPr/>
+        <p:txBody>
+          <a:bodyPr/>
+          <a:lstStyle/>
+          <a:p>
+            <a:fld id="{2BF067CD-8E6B-4360-9AA8-C5DF2A48A6D1}" type="slidenum">
+              <a:rPr lang="en-US" noProof="0" smtClean="0"/>
+              <a:pPr/>
+              <a:t>15</a:t>
+            </a:fld>
+            <a:endParaRPr lang="en-US" noProof="0" dirty="0"/>
+          </a:p>
+        </p:txBody>
+      </p:sp>
+      <p:sp>
+        <p:nvSpPr>
+          <p:cNvPr id="4" name="Title 3">
+            <a:extLst>
+              <a:ext uri="{FF2B5EF4-FFF2-40B4-BE49-F238E27FC236}">
+                <a16:creationId xmlns:a16="http://schemas.microsoft.com/office/drawing/2014/main" id="{AAC5ED30-DF5C-B27D-C4F7-AAC27CEAE030}"/>
+              </a:ext>
+            </a:extLst>
+          </p:cNvPr>
+          <p:cNvSpPr>
+            <a:spLocks noGrp="1"/>
+          </p:cNvSpPr>
+          <p:nvPr>
+            <p:ph type="title"/>
+          </p:nvPr>
+        </p:nvSpPr>
+        <p:spPr/>
+        <p:txBody>
+          <a:bodyPr/>
+          <a:lstStyle/>
+          <a:p>
+            <a:r>
+              <a:rPr lang="bg-BG" dirty="0"/>
+              <a:t>Копиране на текст</a:t>
+            </a:r>
+            <a:r>
+              <a:rPr lang="en-GB" dirty="0"/>
+              <a:t> – </a:t>
+            </a:r>
+            <a:r>
+              <a:rPr lang="bg-BG" dirty="0"/>
+              <a:t>видео</a:t>
+            </a:r>
+            <a:endParaRPr lang="en-GB" dirty="0"/>
+          </a:p>
+        </p:txBody>
+      </p:sp>
+      <p:pic>
+        <p:nvPicPr>
+          <p:cNvPr id="5" name="Picture 4"/>
+          <p:cNvPicPr>
+            <a:picLocks noChangeAspect="1"/>
+          </p:cNvPicPr>
+          <p:nvPr/>
+        </p:nvPicPr>
+        <p:blipFill>
+          <a:blip r:embed="rId2">
+            <a:extLst>
+              <a:ext uri="{28A0092B-C50C-407E-A947-70E740481C1C}">
+                <a14:useLocalDpi xmlns:a14="http://schemas.microsoft.com/office/drawing/2010/main" val="0"/>
+              </a:ext>
+            </a:extLst>
+          </a:blip>
+          <a:srcRect t="642" r="84" b="6"/>
+          <a:stretch/>
+        </p:blipFill>
+        <p:spPr>
+          <a:xfrm>
+            <a:off x="876000" y="1244320"/>
+            <a:ext cx="10440000" cy="5463000"/>
+          </a:xfrm>
+          <a:prstGeom prst="rect">
+            <a:avLst/>
+          </a:prstGeom>
+          <a:ln>
+            <a:solidFill>
+              <a:schemeClr val="bg2">
+                <a:lumMod val="75000"/>
+              </a:schemeClr>
+            </a:solidFill>
+          </a:ln>
+        </p:spPr>
+      </p:pic>
+    </p:spTree>
+    <p:extLst>
+      <p:ext uri="{BB962C8B-B14F-4D97-AF65-F5344CB8AC3E}">
+        <p14:creationId xmlns:p14="http://schemas.microsoft.com/office/powerpoint/2010/main" val="468753548"/>
+      </p:ext>
+    </p:extLst>
+  </p:cSld>
+  <p:clrMapOvr>
+    <a:masterClrMapping/>
+  </p:clrMapOvr>
+  <mc:AlternateContent xmlns:mc="http://schemas.openxmlformats.org/markup-compatibility/2006" xmlns:p14="http://schemas.microsoft.com/office/powerpoint/2010/main">
+    <mc:Choice Requires="p14">
+      <p:transition spd="slow" p14:dur="2000" advClick="0" advTm="5000"/>
+    </mc:Choice>
+    <mc:Fallback xmlns="">
+      <p:transition spd="slow" advClick="0" advTm="5000"/>
+    </mc:Fallback>
+  </mc:AlternateContent>
+</p:sld>
+</file>
+
+<file path=ppt/slides/slide16.xml><?xml version="1.0" encoding="utf-8"?>
 <p:sld xmlns:a="http://schemas.openxmlformats.org/drawingml/2006/main" xmlns:r="http://schemas.openxmlformats.org/officeDocument/2006/relationships" xmlns:p="http://schemas.openxmlformats.org/presentationml/2006/main">
   <p:cSld>
     <p:spTree>
@@ -9380,36 +9342,6 @@
           </a:p>
         </p:txBody>
       </p:sp>
-      <p:pic>
-        <p:nvPicPr>
-          <p:cNvPr id="5" name="Picture 4"/>
-          <p:cNvPicPr>
-            <a:picLocks noChangeAspect="1"/>
-          </p:cNvPicPr>
-          <p:nvPr/>
-        </p:nvPicPr>
-        <p:blipFill>
-          <a:blip r:embed="rId2">
-            <a:extLst>
-              <a:ext uri="{28A0092B-C50C-407E-A947-70E740481C1C}">
-                <a14:useLocalDpi xmlns:a14="http://schemas.microsoft.com/office/drawing/2010/main" val="0"/>
-              </a:ext>
-            </a:extLst>
-          </a:blip>
-          <a:stretch>
-            <a:fillRect/>
-          </a:stretch>
-        </p:blipFill>
-        <p:spPr>
-          <a:xfrm>
-            <a:off x="1898473" y="3429000"/>
-            <a:ext cx="8395053" cy="3211294"/>
-          </a:xfrm>
-          <a:prstGeom prst="rect">
-            <a:avLst/>
-          </a:prstGeom>
-        </p:spPr>
-      </p:pic>
       <p:sp>
         <p:nvSpPr>
           <p:cNvPr id="6" name="Slide Number">
@@ -9446,12 +9378,49 @@
             <a:fld id="{2BF067CD-8E6B-4360-9AA8-C5DF2A48A6D1}" type="slidenum">
               <a:rPr lang="en-US" noProof="0" smtClean="0"/>
               <a:pPr/>
-              <a:t>14</a:t>
+              <a:t>16</a:t>
             </a:fld>
             <a:endParaRPr lang="en-US" noProof="0" dirty="0"/>
           </a:p>
         </p:txBody>
       </p:sp>
+      <p:pic>
+        <p:nvPicPr>
+          <p:cNvPr id="4" name="Picture 3">
+            <a:extLst>
+              <a:ext uri="{FF2B5EF4-FFF2-40B4-BE49-F238E27FC236}">
+                <a16:creationId xmlns:a16="http://schemas.microsoft.com/office/drawing/2014/main" id="{F8FB24FD-E5F7-3D8B-82BE-13D1607E2526}"/>
+              </a:ext>
+            </a:extLst>
+          </p:cNvPr>
+          <p:cNvPicPr>
+            <a:picLocks noChangeAspect="1"/>
+          </p:cNvPicPr>
+          <p:nvPr/>
+        </p:nvPicPr>
+        <p:blipFill>
+          <a:blip r:embed="rId2"/>
+          <a:stretch>
+            <a:fillRect/>
+          </a:stretch>
+        </p:blipFill>
+        <p:spPr>
+          <a:xfrm>
+            <a:off x="4611000" y="4284000"/>
+            <a:ext cx="2970000" cy="1683000"/>
+          </a:xfrm>
+          <a:prstGeom prst="rect">
+            <a:avLst/>
+          </a:prstGeom>
+          <a:ln>
+            <a:solidFill>
+              <a:schemeClr val="bg2">
+                <a:lumMod val="75000"/>
+              </a:schemeClr>
+            </a:solidFill>
+          </a:ln>
+        </p:spPr>
+      </p:pic>
     </p:spTree>
     <p:extLst>
       <p:ext uri="{BB962C8B-B14F-4D97-AF65-F5344CB8AC3E}">
@@ -9602,7 +9571,7 @@
                                           </p:stCondLst>
                                         </p:cTn>
                                         <p:tgtEl>
-                                          <p:spTgt spid="5"/>
+                                          <p:spTgt spid="4"/>
                                         </p:tgtEl>
                                         <p:attrNameLst>
                                           <p:attrName>style.visibility</p:attrName>
@@ -9646,7 +9615,147 @@
 </p:sld>
 </file>
 
-<file path=ppt/slides/slide15.xml><?xml version="1.0" encoding="utf-8"?>
+<file path=ppt/slides/slide17.xml><?xml version="1.0" encoding="utf-8"?>
+<p:sld xmlns:a="http://schemas.openxmlformats.org/drawingml/2006/main" xmlns:r="http://schemas.openxmlformats.org/officeDocument/2006/relationships" xmlns:p="http://schemas.openxmlformats.org/presentationml/2006/main">
+  <p:cSld>
+    <p:spTree>
+      <p:nvGrpSpPr>
+        <p:cNvPr id="1" name=""/>
+        <p:cNvGrpSpPr/>
+        <p:nvPr/>
+      </p:nvGrpSpPr>
+      <p:grpSpPr>
+        <a:xfrm>
+          <a:off x="0" y="0"/>
+          <a:ext cx="0" cy="0"/>
+          <a:chOff x="0" y="0"/>
+          <a:chExt cx="0" cy="0"/>
+        </a:xfrm>
+      </p:grpSpPr>
+      <p:sp>
+        <p:nvSpPr>
+          <p:cNvPr id="2" name="Slide Number Placeholder 1">
+            <a:extLst>
+              <a:ext uri="{FF2B5EF4-FFF2-40B4-BE49-F238E27FC236}">
+                <a16:creationId xmlns:a16="http://schemas.microsoft.com/office/drawing/2014/main" id="{2D58B521-2CA6-47CE-0F5B-62314BA6D3D2}"/>
+              </a:ext>
+            </a:extLst>
+          </p:cNvPr>
+          <p:cNvSpPr>
+            <a:spLocks noGrp="1"/>
+          </p:cNvSpPr>
+          <p:nvPr>
+            <p:ph type="sldNum" sz="quarter" idx="5"/>
+          </p:nvPr>
+        </p:nvSpPr>
+        <p:spPr/>
+        <p:txBody>
+          <a:bodyPr/>
+          <a:lstStyle/>
+          <a:p>
+            <a:fld id="{2BF067CD-8E6B-4360-9AA8-C5DF2A48A6D1}" type="slidenum">
+              <a:rPr lang="en-US" noProof="0" smtClean="0"/>
+              <a:pPr/>
+              <a:t>17</a:t>
+            </a:fld>
+            <a:endParaRPr lang="en-US" noProof="0" dirty="0"/>
+          </a:p>
+        </p:txBody>
+      </p:sp>
+      <p:sp>
+        <p:nvSpPr>
+          <p:cNvPr id="4" name="Title 3">
+            <a:extLst>
+              <a:ext uri="{FF2B5EF4-FFF2-40B4-BE49-F238E27FC236}">
+                <a16:creationId xmlns:a16="http://schemas.microsoft.com/office/drawing/2014/main" id="{9068B6C4-9FFD-F25B-A8E3-09C81E8FB9C6}"/>
+              </a:ext>
+            </a:extLst>
+          </p:cNvPr>
+          <p:cNvSpPr>
+            <a:spLocks noGrp="1"/>
+          </p:cNvSpPr>
+          <p:nvPr>
+            <p:ph type="title"/>
+          </p:nvPr>
+        </p:nvSpPr>
+        <p:spPr/>
+        <p:txBody>
+          <a:bodyPr/>
+          <a:lstStyle/>
+          <a:p>
+            <a:r>
+              <a:rPr lang="bg-BG" dirty="0"/>
+              <a:t>Изрязване на текст – видео</a:t>
+            </a:r>
+            <a:endParaRPr lang="en-GB" dirty="0"/>
+          </a:p>
+        </p:txBody>
+      </p:sp>
+      <p:pic>
+        <p:nvPicPr>
+          <p:cNvPr id="7" name="Picture 6" descr="A screenshot of a computer&#10;&#10;Description automatically generated">
+            <a:extLst>
+              <a:ext uri="{FF2B5EF4-FFF2-40B4-BE49-F238E27FC236}">
+                <a16:creationId xmlns:a16="http://schemas.microsoft.com/office/drawing/2014/main" id="{71C4BC74-A034-37C7-04EB-14E69B5675BD}"/>
+              </a:ext>
+            </a:extLst>
+          </p:cNvPr>
+          <p:cNvPicPr>
+            <a:picLocks noChangeAspect="1"/>
+          </p:cNvPicPr>
+          <p:nvPr/>
+        </p:nvPicPr>
+        <p:blipFill>
+          <a:blip r:embed="rId2">
+            <a:extLst>
+              <a:ext uri="{28A0092B-C50C-407E-A947-70E740481C1C}">
+                <a14:useLocalDpi xmlns:a14="http://schemas.microsoft.com/office/drawing/2010/main" val="0"/>
+              </a:ext>
+            </a:extLst>
+          </a:blip>
+          <a:stretch>
+            <a:fillRect/>
+          </a:stretch>
+        </p:blipFill>
+        <p:spPr>
+          <a:xfrm>
+            <a:off x="876000" y="1241212"/>
+            <a:ext cx="10440000" cy="5493958"/>
+          </a:xfrm>
+          <a:prstGeom prst="rect">
+            <a:avLst/>
+          </a:prstGeom>
+          <a:ln>
+            <a:solidFill>
+              <a:schemeClr val="bg2">
+                <a:lumMod val="75000"/>
+              </a:schemeClr>
+            </a:solidFill>
+          </a:ln>
+        </p:spPr>
+      </p:pic>
+    </p:spTree>
+    <p:extLst>
+      <p:ext uri="{BB962C8B-B14F-4D97-AF65-F5344CB8AC3E}">
+        <p14:creationId xmlns:p14="http://schemas.microsoft.com/office/powerpoint/2010/main" val="1809883999"/>
+      </p:ext>
+    </p:extLst>
+  </p:cSld>
+  <p:clrMapOvr>
+    <a:masterClrMapping/>
+  </p:clrMapOvr>
+  <mc:AlternateContent xmlns:mc="http://schemas.openxmlformats.org/markup-compatibility/2006" xmlns:p14="http://schemas.microsoft.com/office/powerpoint/2010/main">
+    <mc:Choice Requires="p14">
+      <p:transition spd="slow" p14:dur="2000" advClick="0" advTm="5000"/>
+    </mc:Choice>
+    <mc:Fallback xmlns="">
+      <p:transition spd="slow" advClick="0" advTm="5000"/>
+    </mc:Fallback>
+  </mc:AlternateContent>
+</p:sld>
+</file>
+
+<file path=ppt/slides/slide18.xml><?xml version="1.0" encoding="utf-8"?>
 <p:sld xmlns:a="http://schemas.openxmlformats.org/drawingml/2006/main" xmlns:r="http://schemas.openxmlformats.org/officeDocument/2006/relationships" xmlns:p="http://schemas.openxmlformats.org/presentationml/2006/main">
   <p:cSld>
     <p:spTree>
@@ -10222,13 +10331,24 @@
             <a:r>
               <a:rPr lang="bg-BG" sz="3100" b="1" dirty="0">
                 <a:solidFill>
+                  <a:schemeClr val="accent1">
+                    <a:lumMod val="60000"/>
+                    <a:lumOff val="40000"/>
+                  </a:schemeClr>
+                </a:solidFill>
+              </a:rPr>
+              <a:t>Селектиране</a:t>
+            </a:r>
+            <a:r>
+              <a:rPr lang="bg-BG" sz="3100" b="1" dirty="0">
+                <a:solidFill>
                   <a:schemeClr val="bg1">
                     <a:lumMod val="60000"/>
                     <a:lumOff val="40000"/>
                   </a:schemeClr>
                 </a:solidFill>
               </a:rPr>
-              <a:t>Селектиране </a:t>
+              <a:t> </a:t>
             </a:r>
             <a:r>
               <a:rPr lang="bg-BG" sz="3100" dirty="0">
@@ -10280,13 +10400,13 @@
             <a:r>
               <a:rPr lang="bg-BG" sz="3100" b="1" dirty="0">
                 <a:solidFill>
-                  <a:schemeClr val="bg1">
+                  <a:schemeClr val="accent1">
                     <a:lumMod val="60000"/>
                     <a:lumOff val="40000"/>
                   </a:schemeClr>
                 </a:solidFill>
               </a:rPr>
-              <a:t>Видове редактиране</a:t>
+              <a:t>Видове редактиране </a:t>
             </a:r>
             <a:r>
               <a:rPr lang="bg-BG" sz="3100" b="1" dirty="0">
@@ -10294,7 +10414,7 @@
                   <a:schemeClr val="bg2"/>
                 </a:solidFill>
               </a:rPr>
-              <a:t> на текст</a:t>
+              <a:t>на текст</a:t>
             </a:r>
             <a:r>
               <a:rPr lang="bg-BG" sz="3100" dirty="0">
@@ -10451,7 +10571,7 @@
             <a:fld id="{2BF067CD-8E6B-4360-9AA8-C5DF2A48A6D1}" type="slidenum">
               <a:rPr lang="en-US" noProof="0" smtClean="0"/>
               <a:pPr/>
-              <a:t>15</a:t>
+              <a:t>18</a:t>
             </a:fld>
             <a:endParaRPr lang="en-US" noProof="0" dirty="0"/>
           </a:p>
@@ -10526,15 +10646,33 @@
                                   </p:childTnLst>
                                 </p:cTn>
                               </p:par>
+                            </p:childTnLst>
+                          </p:cTn>
+                        </p:par>
+                      </p:childTnLst>
+                    </p:cTn>
+                  </p:par>
+                  <p:par>
+                    <p:cTn id="7" fill="hold">
+                      <p:stCondLst>
+                        <p:cond delay="indefinite"/>
+                      </p:stCondLst>
+                      <p:childTnLst>
+                        <p:par>
+                          <p:cTn id="8" fill="hold">
+                            <p:stCondLst>
+                              <p:cond delay="0"/>
+                            </p:stCondLst>
+                            <p:childTnLst>
                               <p:par>
-                                <p:cTn id="7" presetID="1" presetClass="entr" presetSubtype="0" fill="hold" nodeType="withEffect">
+                                <p:cTn id="9" presetID="1" presetClass="entr" presetSubtype="0" fill="hold" nodeType="clickEffect">
                                   <p:stCondLst>
                                     <p:cond delay="0"/>
                                   </p:stCondLst>
                                   <p:childTnLst>
                                     <p:set>
                                       <p:cBhvr>
-                                        <p:cTn id="8" dur="1" fill="hold">
+                                        <p:cTn id="10" dur="1" fill="hold">
                                           <p:stCondLst>
                                             <p:cond delay="0"/>
                                           </p:stCondLst>
@@ -10564,26 +10702,26 @@
                     </p:cTn>
                   </p:par>
                   <p:par>
-                    <p:cTn id="9" fill="hold">
+                    <p:cTn id="11" fill="hold">
                       <p:stCondLst>
                         <p:cond delay="indefinite"/>
                       </p:stCondLst>
                       <p:childTnLst>
                         <p:par>
-                          <p:cTn id="10" fill="hold">
+                          <p:cTn id="12" fill="hold">
                             <p:stCondLst>
                               <p:cond delay="0"/>
                             </p:stCondLst>
                             <p:childTnLst>
                               <p:par>
-                                <p:cTn id="11" presetID="1" presetClass="entr" presetSubtype="0" fill="hold" nodeType="clickEffect">
+                                <p:cTn id="13" presetID="1" presetClass="entr" presetSubtype="0" fill="hold" nodeType="clickEffect">
                                   <p:stCondLst>
                                     <p:cond delay="0"/>
                                   </p:stCondLst>
                                   <p:childTnLst>
                                     <p:set>
                                       <p:cBhvr>
-                                        <p:cTn id="12" dur="1" fill="hold">
+                                        <p:cTn id="14" dur="1" fill="hold">
                                           <p:stCondLst>
                                             <p:cond delay="0"/>
                                           </p:stCondLst>
@@ -10613,26 +10751,26 @@
                     </p:cTn>
                   </p:par>
                   <p:par>
-                    <p:cTn id="13" fill="hold">
+                    <p:cTn id="15" fill="hold">
                       <p:stCondLst>
                         <p:cond delay="indefinite"/>
                       </p:stCondLst>
                       <p:childTnLst>
                         <p:par>
-                          <p:cTn id="14" fill="hold">
+                          <p:cTn id="16" fill="hold">
                             <p:stCondLst>
                               <p:cond delay="0"/>
                             </p:stCondLst>
                             <p:childTnLst>
                               <p:par>
-                                <p:cTn id="15" presetID="1" presetClass="entr" presetSubtype="0" fill="hold" nodeType="clickEffect">
+                                <p:cTn id="17" presetID="1" presetClass="entr" presetSubtype="0" fill="hold" nodeType="clickEffect">
                                   <p:stCondLst>
                                     <p:cond delay="0"/>
                                   </p:stCondLst>
                                   <p:childTnLst>
                                     <p:set>
                                       <p:cBhvr>
-                                        <p:cTn id="16" dur="1" fill="hold">
+                                        <p:cTn id="18" dur="1" fill="hold">
                                           <p:stCondLst>
                                             <p:cond delay="0"/>
                                           </p:stCondLst>
@@ -10662,26 +10800,26 @@
                     </p:cTn>
                   </p:par>
                   <p:par>
-                    <p:cTn id="17" fill="hold">
+                    <p:cTn id="19" fill="hold">
                       <p:stCondLst>
                         <p:cond delay="indefinite"/>
                       </p:stCondLst>
                       <p:childTnLst>
                         <p:par>
-                          <p:cTn id="18" fill="hold">
+                          <p:cTn id="20" fill="hold">
                             <p:stCondLst>
                               <p:cond delay="0"/>
                             </p:stCondLst>
                             <p:childTnLst>
                               <p:par>
-                                <p:cTn id="19" presetID="1" presetClass="entr" presetSubtype="0" fill="hold" nodeType="clickEffect">
+                                <p:cTn id="21" presetID="1" presetClass="entr" presetSubtype="0" fill="hold" nodeType="clickEffect">
                                   <p:stCondLst>
                                     <p:cond delay="0"/>
                                   </p:stCondLst>
                                   <p:childTnLst>
                                     <p:set>
                                       <p:cBhvr>
-                                        <p:cTn id="20" dur="1" fill="hold">
+                                        <p:cTn id="22" dur="1" fill="hold">
                                           <p:stCondLst>
                                             <p:cond delay="0"/>
                                           </p:stCondLst>
@@ -10711,26 +10849,26 @@
                     </p:cTn>
                   </p:par>
                   <p:par>
-                    <p:cTn id="21" fill="hold">
+                    <p:cTn id="23" fill="hold">
                       <p:stCondLst>
                         <p:cond delay="indefinite"/>
                       </p:stCondLst>
                       <p:childTnLst>
                         <p:par>
-                          <p:cTn id="22" fill="hold">
+                          <p:cTn id="24" fill="hold">
                             <p:stCondLst>
                               <p:cond delay="0"/>
                             </p:stCondLst>
                             <p:childTnLst>
                               <p:par>
-                                <p:cTn id="23" presetID="1" presetClass="entr" presetSubtype="0" fill="hold" nodeType="clickEffect">
+                                <p:cTn id="25" presetID="1" presetClass="entr" presetSubtype="0" fill="hold" nodeType="clickEffect">
                                   <p:stCondLst>
                                     <p:cond delay="0"/>
                                   </p:stCondLst>
                                   <p:childTnLst>
                                     <p:set>
                                       <p:cBhvr>
-                                        <p:cTn id="24" dur="1" fill="hold">
+                                        <p:cTn id="26" dur="1" fill="hold">
                                           <p:stCondLst>
                                             <p:cond delay="0"/>
                                           </p:stCondLst>
@@ -10784,7 +10922,7 @@
 </p:sld>
 </file>
 
-<file path=ppt/slides/slide16.xml><?xml version="1.0" encoding="utf-8"?>
+<file path=ppt/slides/slide19.xml><?xml version="1.0" encoding="utf-8"?>
 <p:sld xmlns:a="http://schemas.openxmlformats.org/drawingml/2006/main" xmlns:r="http://schemas.openxmlformats.org/officeDocument/2006/relationships" xmlns:p="http://schemas.openxmlformats.org/presentationml/2006/main">
   <p:cSld>
     <p:spTree>
@@ -10957,389 +11095,6 @@
     <p:extLst>
       <p:ext uri="{BB962C8B-B14F-4D97-AF65-F5344CB8AC3E}">
         <p14:creationId xmlns:p14="http://schemas.microsoft.com/office/powerpoint/2010/main" val="1472534970"/>
-      </p:ext>
-    </p:extLst>
-  </p:cSld>
-  <p:clrMapOvr>
-    <a:masterClrMapping/>
-  </p:clrMapOvr>
-  <mc:AlternateContent xmlns:mc="http://schemas.openxmlformats.org/markup-compatibility/2006" xmlns:p14="http://schemas.microsoft.com/office/powerpoint/2010/main">
-    <mc:Choice Requires="p14">
-      <p:transition spd="slow" p14:dur="2000" advClick="0" advTm="5000"/>
-    </mc:Choice>
-    <mc:Fallback xmlns="">
-      <p:transition spd="slow" advClick="0" advTm="5000"/>
-    </mc:Fallback>
-  </mc:AlternateContent>
-</p:sld>
-</file>
-
-<file path=ppt/slides/slide17.xml><?xml version="1.0" encoding="utf-8"?>
-<p:sld xmlns:a="http://schemas.openxmlformats.org/drawingml/2006/main" xmlns:r="http://schemas.openxmlformats.org/officeDocument/2006/relationships" xmlns:p="http://schemas.openxmlformats.org/presentationml/2006/main">
-  <p:cSld>
-    <p:spTree>
-      <p:nvGrpSpPr>
-        <p:cNvPr id="1" name=""/>
-        <p:cNvGrpSpPr/>
-        <p:nvPr/>
-      </p:nvGrpSpPr>
-      <p:grpSpPr>
-        <a:xfrm>
-          <a:off x="0" y="0"/>
-          <a:ext cx="0" cy="0"/>
-          <a:chOff x="0" y="0"/>
-          <a:chExt cx="0" cy="0"/>
-        </a:xfrm>
-      </p:grpSpPr>
-      <p:sp>
-        <p:nvSpPr>
-          <p:cNvPr id="2" name="Slide Body">
-            <a:extLst>
-              <a:ext uri="{FF2B5EF4-FFF2-40B4-BE49-F238E27FC236}">
-                <a16:creationId xmlns:a16="http://schemas.microsoft.com/office/drawing/2014/main" id="{980F49B1-E4BE-4389-A747-7AB9B71AD920}"/>
-              </a:ext>
-            </a:extLst>
-          </p:cNvPr>
-          <p:cNvSpPr>
-            <a:spLocks noGrp="1"/>
-          </p:cNvSpPr>
-          <p:nvPr>
-            <p:ph type="body" sz="quarter" idx="10"/>
-          </p:nvPr>
-        </p:nvSpPr>
-        <p:spPr>
-          <a:xfrm>
-            <a:off x="190402" y="1269001"/>
-            <a:ext cx="9865598" cy="2474999"/>
-          </a:xfrm>
-        </p:spPr>
-        <p:txBody>
-          <a:bodyPr>
-            <a:normAutofit/>
-          </a:bodyPr>
-          <a:lstStyle/>
-          <a:p>
-            <a:pPr>
-              <a:lnSpc>
-                <a:spcPct val="120000"/>
-              </a:lnSpc>
-            </a:pPr>
-            <a:r>
-              <a:rPr lang="bg-BG" sz="3200" dirty="0"/>
-              <a:t>Този курс</a:t>
-            </a:r>
-            <a:r>
-              <a:rPr lang="en-US" sz="3200" dirty="0"/>
-              <a:t> (</a:t>
-            </a:r>
-            <a:r>
-              <a:rPr lang="bg-BG" sz="3200" dirty="0"/>
-              <a:t>презентации, примери, демонстрационен код, упражнения, домашни, видео и други активи</a:t>
-            </a:r>
-            <a:r>
-              <a:rPr lang="en-US" sz="3200" dirty="0"/>
-              <a:t>) </a:t>
-            </a:r>
-            <a:r>
-              <a:rPr lang="bg-BG" sz="3200" dirty="0"/>
-              <a:t>представлява</a:t>
-            </a:r>
-            <a:r>
-              <a:rPr lang="en-US" sz="3200" dirty="0"/>
-              <a:t> </a:t>
-            </a:r>
-            <a:r>
-              <a:rPr lang="bg-BG" sz="3200" b="1" dirty="0"/>
-              <a:t>свободно учебно съдържание </a:t>
-            </a:r>
-            <a:r>
-              <a:rPr lang="bg-BG" sz="3200" dirty="0"/>
-              <a:t>и се разпространява под свободен лиценз </a:t>
-            </a:r>
-            <a:r>
-              <a:rPr lang="en-US" sz="3200" b="1" dirty="0"/>
-              <a:t>CC-BY-NC-SA</a:t>
-            </a:r>
-            <a:endParaRPr lang="bg-BG" sz="3200" dirty="0"/>
-          </a:p>
-        </p:txBody>
-      </p:sp>
-      <p:pic>
-        <p:nvPicPr>
-          <p:cNvPr id="6" name="Picture License" descr="License">
-            <a:extLst>
-              <a:ext uri="{FF2B5EF4-FFF2-40B4-BE49-F238E27FC236}">
-                <a16:creationId xmlns:a16="http://schemas.microsoft.com/office/drawing/2014/main" id="{82BA520F-A037-4E01-AA18-27D9F1E930A6}"/>
-              </a:ext>
-            </a:extLst>
-          </p:cNvPr>
-          <p:cNvPicPr>
-            <a:picLocks noChangeAspect="1"/>
-          </p:cNvPicPr>
-          <p:nvPr/>
-        </p:nvPicPr>
-        <p:blipFill>
-          <a:blip r:embed="rId3">
-            <a:clrChange>
-              <a:clrFrom>
-                <a:srgbClr val="FFFFFF"/>
-              </a:clrFrom>
-              <a:clrTo>
-                <a:srgbClr val="FFFFFF">
-                  <a:alpha val="0"/>
-                </a:srgbClr>
-              </a:clrTo>
-            </a:clrChange>
-          </a:blip>
-          <a:stretch>
-            <a:fillRect/>
-          </a:stretch>
-        </p:blipFill>
-        <p:spPr>
-          <a:xfrm>
-            <a:off x="10226175" y="1440120"/>
-            <a:ext cx="1198986" cy="1268880"/>
-          </a:xfrm>
-          <a:prstGeom prst="rect">
-            <a:avLst/>
-          </a:prstGeom>
-        </p:spPr>
-      </p:pic>
-      <p:sp>
-        <p:nvSpPr>
-          <p:cNvPr id="3" name="Slide Title">
-            <a:extLst>
-              <a:ext uri="{FF2B5EF4-FFF2-40B4-BE49-F238E27FC236}">
-                <a16:creationId xmlns:a16="http://schemas.microsoft.com/office/drawing/2014/main" id="{E5F1FB41-80C3-4816-BC47-CCC50632E6E8}"/>
-              </a:ext>
-            </a:extLst>
-          </p:cNvPr>
-          <p:cNvSpPr>
-            <a:spLocks noGrp="1"/>
-          </p:cNvSpPr>
-          <p:nvPr>
-            <p:ph type="title"/>
-          </p:nvPr>
-        </p:nvSpPr>
-        <p:spPr/>
-        <p:txBody>
-          <a:bodyPr/>
-          <a:lstStyle/>
-          <a:p>
-            <a:r>
-              <a:rPr lang="bg-BG" dirty="0"/>
-              <a:t>Лиценз</a:t>
-            </a:r>
-          </a:p>
-        </p:txBody>
-      </p:sp>
-      <p:sp>
-        <p:nvSpPr>
-          <p:cNvPr id="11" name="TextBox 10">
-            <a:extLst>
-              <a:ext uri="{FF2B5EF4-FFF2-40B4-BE49-F238E27FC236}">
-                <a16:creationId xmlns:a16="http://schemas.microsoft.com/office/drawing/2014/main" id="{0C18DF19-B750-4C88-975B-661A6BF61F5E}"/>
-              </a:ext>
-            </a:extLst>
-          </p:cNvPr>
-          <p:cNvSpPr txBox="1"/>
-          <p:nvPr/>
-        </p:nvSpPr>
-        <p:spPr>
-          <a:xfrm>
-            <a:off x="190401" y="3927519"/>
-            <a:ext cx="11710599" cy="1979644"/>
-          </a:xfrm>
-          <a:prstGeom prst="rect">
-            <a:avLst/>
-          </a:prstGeom>
-          <a:noFill/>
-          <a:ln w="12700">
-            <a:noFill/>
-          </a:ln>
-        </p:spPr>
-        <p:txBody>
-          <a:bodyPr wrap="square">
-            <a:spAutoFit/>
-          </a:bodyPr>
-          <a:lstStyle/>
-          <a:p>
-            <a:pPr marL="360363" indent="-360363" defTabSz="1218438">
-              <a:lnSpc>
-                <a:spcPct val="120000"/>
-              </a:lnSpc>
-              <a:spcBef>
-                <a:spcPts val="600"/>
-              </a:spcBef>
-              <a:spcAft>
-                <a:spcPts val="600"/>
-              </a:spcAft>
-              <a:buFont typeface="Wingdings" panose="05000000000000000000" pitchFamily="2" charset="2"/>
-              <a:buChar char="§"/>
-              <a:defRPr/>
-            </a:pPr>
-            <a:r>
-              <a:rPr lang="bg-BG" sz="3200" dirty="0"/>
-              <a:t>Проект "</a:t>
-            </a:r>
-            <a:r>
-              <a:rPr lang="bg-BG" sz="3200" b="1" dirty="0"/>
-              <a:t>Отворено учебно съдържание по програмиране и ИТ</a:t>
-            </a:r>
-            <a:r>
-              <a:rPr lang="bg-BG" sz="3200" dirty="0"/>
-              <a:t>" към Фондация "Софтуерен университет"</a:t>
-            </a:r>
-            <a:r>
-              <a:rPr lang="en-US" sz="3200" dirty="0"/>
-              <a:t>:</a:t>
-            </a:r>
-            <a:endParaRPr lang="bg-BG" sz="3200" dirty="0"/>
-          </a:p>
-          <a:p>
-            <a:pPr marL="817563" lvl="1" indent="-360363" defTabSz="1218438">
-              <a:lnSpc>
-                <a:spcPct val="120000"/>
-              </a:lnSpc>
-              <a:spcBef>
-                <a:spcPts val="600"/>
-              </a:spcBef>
-              <a:spcAft>
-                <a:spcPts val="600"/>
-              </a:spcAft>
-              <a:buFont typeface="Wingdings" panose="05000000000000000000" pitchFamily="2" charset="2"/>
-              <a:buChar char="§"/>
-              <a:defRPr/>
-            </a:pPr>
-            <a:r>
-              <a:rPr kumimoji="0" lang="en-US" sz="3200" b="0" i="0" u="none" strike="noStrike" kern="1200" cap="none" spc="0" normalizeH="0" baseline="0" noProof="0" dirty="0">
-                <a:ln>
-                  <a:noFill/>
-                </a:ln>
-                <a:solidFill>
-                  <a:srgbClr val="234465"/>
-                </a:solidFill>
-                <a:effectLst/>
-                <a:uLnTx/>
-                <a:uFillTx/>
-                <a:latin typeface="Calibri"/>
-                <a:ea typeface="+mn-ea"/>
-                <a:cs typeface="+mn-cs"/>
-                <a:hlinkClick r:id="rId4"/>
-              </a:rPr>
-              <a:t>https://github.com/BG-IT-Edu</a:t>
-            </a:r>
-            <a:endParaRPr kumimoji="0" lang="bg-BG" sz="3200" b="0" i="0" u="none" strike="noStrike" kern="1200" cap="none" spc="0" normalizeH="0" baseline="0" noProof="0" dirty="0">
-              <a:ln>
-                <a:noFill/>
-              </a:ln>
-              <a:solidFill>
-                <a:srgbClr val="234465"/>
-              </a:solidFill>
-              <a:effectLst/>
-              <a:uLnTx/>
-              <a:uFillTx/>
-              <a:latin typeface="Calibri"/>
-              <a:ea typeface="+mn-ea"/>
-              <a:cs typeface="+mn-cs"/>
-            </a:endParaRPr>
-          </a:p>
-        </p:txBody>
-      </p:sp>
-      <p:pic>
-        <p:nvPicPr>
-          <p:cNvPr id="7" name="Picture 6" title="CC-BY-NC-SA License">
-            <a:hlinkClick r:id="rId5" tooltip="This work is licensed under the &quot;Creative Commons Attribution-NonCommercial-ShareAlike 4.0 International&quot; license"/>
-            <a:extLst>
-              <a:ext uri="{FF2B5EF4-FFF2-40B4-BE49-F238E27FC236}">
-                <a16:creationId xmlns:a16="http://schemas.microsoft.com/office/drawing/2014/main" id="{F6C77C47-F7D8-A176-5C69-7FDE5C7E8003}"/>
-              </a:ext>
-            </a:extLst>
-          </p:cNvPr>
-          <p:cNvPicPr>
-            <a:picLocks noChangeAspect="1" noChangeArrowheads="1"/>
-          </p:cNvPicPr>
-          <p:nvPr/>
-        </p:nvPicPr>
-        <p:blipFill>
-          <a:blip r:embed="rId6">
-            <a:extLst>
-              <a:ext uri="{28A0092B-C50C-407E-A947-70E740481C1C}">
-                <a14:useLocalDpi xmlns:a14="http://schemas.microsoft.com/office/drawing/2010/main"/>
-              </a:ext>
-            </a:extLst>
-          </a:blip>
-          <a:srcRect/>
-          <a:stretch>
-            <a:fillRect/>
-          </a:stretch>
-        </p:blipFill>
-        <p:spPr bwMode="auto">
-          <a:xfrm>
-            <a:off x="9831000" y="2908593"/>
-            <a:ext cx="1989336" cy="696022"/>
-          </a:xfrm>
-          <a:prstGeom prst="roundRect">
-            <a:avLst>
-              <a:gd name="adj" fmla="val 3940"/>
-            </a:avLst>
-          </a:prstGeom>
-          <a:solidFill>
-            <a:srgbClr val="231F20">
-              <a:alpha val="50000"/>
-            </a:srgbClr>
-          </a:solidFill>
-          <a:ln>
-            <a:noFill/>
-          </a:ln>
-        </p:spPr>
-      </p:pic>
-      <p:sp>
-        <p:nvSpPr>
-          <p:cNvPr id="8" name="Slide Number">
-            <a:extLst>
-              <a:ext uri="{FF2B5EF4-FFF2-40B4-BE49-F238E27FC236}">
-                <a16:creationId xmlns:a16="http://schemas.microsoft.com/office/drawing/2014/main" id="{C1780DB1-0AF0-4108-AFE1-9DA99F0DBCB8}"/>
-              </a:ext>
-            </a:extLst>
-          </p:cNvPr>
-          <p:cNvSpPr>
-            <a:spLocks noGrp="1"/>
-          </p:cNvSpPr>
-          <p:nvPr>
-            <p:ph type="sldNum" sz="quarter" idx="5"/>
-          </p:nvPr>
-        </p:nvSpPr>
-        <p:spPr>
-          <a:xfrm>
-            <a:off x="11753030" y="6507000"/>
-            <a:ext cx="367414" cy="297000"/>
-          </a:xfrm>
-          <a:prstGeom prst="rect">
-            <a:avLst/>
-          </a:prstGeom>
-        </p:spPr>
-        <p:txBody>
-          <a:bodyPr vert="horz" lIns="91440" tIns="45720" rIns="91440" bIns="45720" rtlCol="0" anchor="b"/>
-          <a:lstStyle>
-            <a:lvl1pPr algn="r">
-              <a:defRPr sz="1000"/>
-            </a:lvl1pPr>
-          </a:lstStyle>
-          <a:p>
-            <a:fld id="{2BF067CD-8E6B-4360-9AA8-C5DF2A48A6D1}" type="slidenum">
-              <a:rPr lang="en-US" noProof="0" smtClean="0"/>
-              <a:pPr/>
-              <a:t>17</a:t>
-            </a:fld>
-            <a:endParaRPr lang="en-US" noProof="0" dirty="0"/>
-          </a:p>
-        </p:txBody>
-      </p:sp>
-    </p:spTree>
-    <p:extLst>
-      <p:ext uri="{BB962C8B-B14F-4D97-AF65-F5344CB8AC3E}">
-        <p14:creationId xmlns:p14="http://schemas.microsoft.com/office/powerpoint/2010/main" val="3879276042"/>
       </p:ext>
     </p:extLst>
   </p:cSld>
@@ -11707,6 +11462,389 @@
 </p:sld>
 </file>
 
+<file path=ppt/slides/slide20.xml><?xml version="1.0" encoding="utf-8"?>
+<p:sld xmlns:a="http://schemas.openxmlformats.org/drawingml/2006/main" xmlns:r="http://schemas.openxmlformats.org/officeDocument/2006/relationships" xmlns:p="http://schemas.openxmlformats.org/presentationml/2006/main" show="0">
+  <p:cSld>
+    <p:spTree>
+      <p:nvGrpSpPr>
+        <p:cNvPr id="1" name=""/>
+        <p:cNvGrpSpPr/>
+        <p:nvPr/>
+      </p:nvGrpSpPr>
+      <p:grpSpPr>
+        <a:xfrm>
+          <a:off x="0" y="0"/>
+          <a:ext cx="0" cy="0"/>
+          <a:chOff x="0" y="0"/>
+          <a:chExt cx="0" cy="0"/>
+        </a:xfrm>
+      </p:grpSpPr>
+      <p:sp>
+        <p:nvSpPr>
+          <p:cNvPr id="2" name="Slide Body">
+            <a:extLst>
+              <a:ext uri="{FF2B5EF4-FFF2-40B4-BE49-F238E27FC236}">
+                <a16:creationId xmlns:a16="http://schemas.microsoft.com/office/drawing/2014/main" id="{980F49B1-E4BE-4389-A747-7AB9B71AD920}"/>
+              </a:ext>
+            </a:extLst>
+          </p:cNvPr>
+          <p:cNvSpPr>
+            <a:spLocks noGrp="1"/>
+          </p:cNvSpPr>
+          <p:nvPr>
+            <p:ph type="body" sz="quarter" idx="10"/>
+          </p:nvPr>
+        </p:nvSpPr>
+        <p:spPr>
+          <a:xfrm>
+            <a:off x="190402" y="1269001"/>
+            <a:ext cx="9865598" cy="2474999"/>
+          </a:xfrm>
+        </p:spPr>
+        <p:txBody>
+          <a:bodyPr>
+            <a:normAutofit/>
+          </a:bodyPr>
+          <a:lstStyle/>
+          <a:p>
+            <a:pPr>
+              <a:lnSpc>
+                <a:spcPct val="120000"/>
+              </a:lnSpc>
+            </a:pPr>
+            <a:r>
+              <a:rPr lang="bg-BG" sz="3200" dirty="0"/>
+              <a:t>Този курс</a:t>
+            </a:r>
+            <a:r>
+              <a:rPr lang="en-US" sz="3200" dirty="0"/>
+              <a:t> (</a:t>
+            </a:r>
+            <a:r>
+              <a:rPr lang="bg-BG" sz="3200" dirty="0"/>
+              <a:t>презентации, примери, демонстрационен код, упражнения, домашни, видео и други активи</a:t>
+            </a:r>
+            <a:r>
+              <a:rPr lang="en-US" sz="3200" dirty="0"/>
+              <a:t>) </a:t>
+            </a:r>
+            <a:r>
+              <a:rPr lang="bg-BG" sz="3200" dirty="0"/>
+              <a:t>представлява</a:t>
+            </a:r>
+            <a:r>
+              <a:rPr lang="en-US" sz="3200" dirty="0"/>
+              <a:t> </a:t>
+            </a:r>
+            <a:r>
+              <a:rPr lang="bg-BG" sz="3200" b="1" dirty="0"/>
+              <a:t>свободно учебно съдържание </a:t>
+            </a:r>
+            <a:r>
+              <a:rPr lang="bg-BG" sz="3200" dirty="0"/>
+              <a:t>и се разпространява под свободен лиценз </a:t>
+            </a:r>
+            <a:r>
+              <a:rPr lang="en-US" sz="3200" b="1" dirty="0"/>
+              <a:t>CC-BY-NC-SA</a:t>
+            </a:r>
+            <a:endParaRPr lang="bg-BG" sz="3200" dirty="0"/>
+          </a:p>
+        </p:txBody>
+      </p:sp>
+      <p:pic>
+        <p:nvPicPr>
+          <p:cNvPr id="6" name="Picture License" descr="License">
+            <a:extLst>
+              <a:ext uri="{FF2B5EF4-FFF2-40B4-BE49-F238E27FC236}">
+                <a16:creationId xmlns:a16="http://schemas.microsoft.com/office/drawing/2014/main" id="{82BA520F-A037-4E01-AA18-27D9F1E930A6}"/>
+              </a:ext>
+            </a:extLst>
+          </p:cNvPr>
+          <p:cNvPicPr>
+            <a:picLocks noChangeAspect="1"/>
+          </p:cNvPicPr>
+          <p:nvPr/>
+        </p:nvPicPr>
+        <p:blipFill>
+          <a:blip r:embed="rId3">
+            <a:clrChange>
+              <a:clrFrom>
+                <a:srgbClr val="FFFFFF"/>
+              </a:clrFrom>
+              <a:clrTo>
+                <a:srgbClr val="FFFFFF">
+                  <a:alpha val="0"/>
+                </a:srgbClr>
+              </a:clrTo>
+            </a:clrChange>
+          </a:blip>
+          <a:stretch>
+            <a:fillRect/>
+          </a:stretch>
+        </p:blipFill>
+        <p:spPr>
+          <a:xfrm>
+            <a:off x="10226175" y="1440120"/>
+            <a:ext cx="1198986" cy="1268880"/>
+          </a:xfrm>
+          <a:prstGeom prst="rect">
+            <a:avLst/>
+          </a:prstGeom>
+        </p:spPr>
+      </p:pic>
+      <p:sp>
+        <p:nvSpPr>
+          <p:cNvPr id="3" name="Slide Title">
+            <a:extLst>
+              <a:ext uri="{FF2B5EF4-FFF2-40B4-BE49-F238E27FC236}">
+                <a16:creationId xmlns:a16="http://schemas.microsoft.com/office/drawing/2014/main" id="{E5F1FB41-80C3-4816-BC47-CCC50632E6E8}"/>
+              </a:ext>
+            </a:extLst>
+          </p:cNvPr>
+          <p:cNvSpPr>
+            <a:spLocks noGrp="1"/>
+          </p:cNvSpPr>
+          <p:nvPr>
+            <p:ph type="title"/>
+          </p:nvPr>
+        </p:nvSpPr>
+        <p:spPr/>
+        <p:txBody>
+          <a:bodyPr/>
+          <a:lstStyle/>
+          <a:p>
+            <a:r>
+              <a:rPr lang="bg-BG" dirty="0"/>
+              <a:t>Лиценз</a:t>
+            </a:r>
+          </a:p>
+        </p:txBody>
+      </p:sp>
+      <p:sp>
+        <p:nvSpPr>
+          <p:cNvPr id="11" name="TextBox 10">
+            <a:extLst>
+              <a:ext uri="{FF2B5EF4-FFF2-40B4-BE49-F238E27FC236}">
+                <a16:creationId xmlns:a16="http://schemas.microsoft.com/office/drawing/2014/main" id="{0C18DF19-B750-4C88-975B-661A6BF61F5E}"/>
+              </a:ext>
+            </a:extLst>
+          </p:cNvPr>
+          <p:cNvSpPr txBox="1"/>
+          <p:nvPr/>
+        </p:nvSpPr>
+        <p:spPr>
+          <a:xfrm>
+            <a:off x="190401" y="3927519"/>
+            <a:ext cx="11710599" cy="1979644"/>
+          </a:xfrm>
+          <a:prstGeom prst="rect">
+            <a:avLst/>
+          </a:prstGeom>
+          <a:noFill/>
+          <a:ln w="12700">
+            <a:noFill/>
+          </a:ln>
+        </p:spPr>
+        <p:txBody>
+          <a:bodyPr wrap="square">
+            <a:spAutoFit/>
+          </a:bodyPr>
+          <a:lstStyle/>
+          <a:p>
+            <a:pPr marL="360363" indent="-360363" defTabSz="1218438">
+              <a:lnSpc>
+                <a:spcPct val="120000"/>
+              </a:lnSpc>
+              <a:spcBef>
+                <a:spcPts val="600"/>
+              </a:spcBef>
+              <a:spcAft>
+                <a:spcPts val="600"/>
+              </a:spcAft>
+              <a:buFont typeface="Wingdings" panose="05000000000000000000" pitchFamily="2" charset="2"/>
+              <a:buChar char="§"/>
+              <a:defRPr/>
+            </a:pPr>
+            <a:r>
+              <a:rPr lang="bg-BG" sz="3200" dirty="0"/>
+              <a:t>Проект "</a:t>
+            </a:r>
+            <a:r>
+              <a:rPr lang="bg-BG" sz="3200" b="1" dirty="0"/>
+              <a:t>Отворено учебно съдържание по програмиране и ИТ</a:t>
+            </a:r>
+            <a:r>
+              <a:rPr lang="bg-BG" sz="3200" dirty="0"/>
+              <a:t>" към Фондация "Софтуерен университет"</a:t>
+            </a:r>
+            <a:r>
+              <a:rPr lang="en-US" sz="3200" dirty="0"/>
+              <a:t>:</a:t>
+            </a:r>
+            <a:endParaRPr lang="bg-BG" sz="3200" dirty="0"/>
+          </a:p>
+          <a:p>
+            <a:pPr marL="817563" lvl="1" indent="-360363" defTabSz="1218438">
+              <a:lnSpc>
+                <a:spcPct val="120000"/>
+              </a:lnSpc>
+              <a:spcBef>
+                <a:spcPts val="600"/>
+              </a:spcBef>
+              <a:spcAft>
+                <a:spcPts val="600"/>
+              </a:spcAft>
+              <a:buFont typeface="Wingdings" panose="05000000000000000000" pitchFamily="2" charset="2"/>
+              <a:buChar char="§"/>
+              <a:defRPr/>
+            </a:pPr>
+            <a:r>
+              <a:rPr kumimoji="0" lang="en-US" sz="3200" b="0" i="0" u="none" strike="noStrike" kern="1200" cap="none" spc="0" normalizeH="0" baseline="0" noProof="0" dirty="0">
+                <a:ln>
+                  <a:noFill/>
+                </a:ln>
+                <a:solidFill>
+                  <a:srgbClr val="234465"/>
+                </a:solidFill>
+                <a:effectLst/>
+                <a:uLnTx/>
+                <a:uFillTx/>
+                <a:latin typeface="Calibri"/>
+                <a:ea typeface="+mn-ea"/>
+                <a:cs typeface="+mn-cs"/>
+                <a:hlinkClick r:id="rId4"/>
+              </a:rPr>
+              <a:t>https://github.com/BG-IT-Edu</a:t>
+            </a:r>
+            <a:endParaRPr kumimoji="0" lang="bg-BG" sz="3200" b="0" i="0" u="none" strike="noStrike" kern="1200" cap="none" spc="0" normalizeH="0" baseline="0" noProof="0" dirty="0">
+              <a:ln>
+                <a:noFill/>
+              </a:ln>
+              <a:solidFill>
+                <a:srgbClr val="234465"/>
+              </a:solidFill>
+              <a:effectLst/>
+              <a:uLnTx/>
+              <a:uFillTx/>
+              <a:latin typeface="Calibri"/>
+              <a:ea typeface="+mn-ea"/>
+              <a:cs typeface="+mn-cs"/>
+            </a:endParaRPr>
+          </a:p>
+        </p:txBody>
+      </p:sp>
+      <p:pic>
+        <p:nvPicPr>
+          <p:cNvPr id="7" name="Picture 6" title="CC-BY-NC-SA License">
+            <a:hlinkClick r:id="rId5" tooltip="This work is licensed under the &quot;Creative Commons Attribution-NonCommercial-ShareAlike 4.0 International&quot; license"/>
+            <a:extLst>
+              <a:ext uri="{FF2B5EF4-FFF2-40B4-BE49-F238E27FC236}">
+                <a16:creationId xmlns:a16="http://schemas.microsoft.com/office/drawing/2014/main" id="{F6C77C47-F7D8-A176-5C69-7FDE5C7E8003}"/>
+              </a:ext>
+            </a:extLst>
+          </p:cNvPr>
+          <p:cNvPicPr>
+            <a:picLocks noChangeAspect="1" noChangeArrowheads="1"/>
+          </p:cNvPicPr>
+          <p:nvPr/>
+        </p:nvPicPr>
+        <p:blipFill>
+          <a:blip r:embed="rId6">
+            <a:extLst>
+              <a:ext uri="{28A0092B-C50C-407E-A947-70E740481C1C}">
+                <a14:useLocalDpi xmlns:a14="http://schemas.microsoft.com/office/drawing/2010/main"/>
+              </a:ext>
+            </a:extLst>
+          </a:blip>
+          <a:srcRect/>
+          <a:stretch>
+            <a:fillRect/>
+          </a:stretch>
+        </p:blipFill>
+        <p:spPr bwMode="auto">
+          <a:xfrm>
+            <a:off x="9831000" y="2908593"/>
+            <a:ext cx="1989336" cy="696022"/>
+          </a:xfrm>
+          <a:prstGeom prst="roundRect">
+            <a:avLst>
+              <a:gd name="adj" fmla="val 3940"/>
+            </a:avLst>
+          </a:prstGeom>
+          <a:solidFill>
+            <a:srgbClr val="231F20">
+              <a:alpha val="50000"/>
+            </a:srgbClr>
+          </a:solidFill>
+          <a:ln>
+            <a:noFill/>
+          </a:ln>
+        </p:spPr>
+      </p:pic>
+      <p:sp>
+        <p:nvSpPr>
+          <p:cNvPr id="8" name="Slide Number">
+            <a:extLst>
+              <a:ext uri="{FF2B5EF4-FFF2-40B4-BE49-F238E27FC236}">
+                <a16:creationId xmlns:a16="http://schemas.microsoft.com/office/drawing/2014/main" id="{C1780DB1-0AF0-4108-AFE1-9DA99F0DBCB8}"/>
+              </a:ext>
+            </a:extLst>
+          </p:cNvPr>
+          <p:cNvSpPr>
+            <a:spLocks noGrp="1"/>
+          </p:cNvSpPr>
+          <p:nvPr>
+            <p:ph type="sldNum" sz="quarter" idx="5"/>
+          </p:nvPr>
+        </p:nvSpPr>
+        <p:spPr>
+          <a:xfrm>
+            <a:off x="11753030" y="6507000"/>
+            <a:ext cx="367414" cy="297000"/>
+          </a:xfrm>
+          <a:prstGeom prst="rect">
+            <a:avLst/>
+          </a:prstGeom>
+        </p:spPr>
+        <p:txBody>
+          <a:bodyPr vert="horz" lIns="91440" tIns="45720" rIns="91440" bIns="45720" rtlCol="0" anchor="b"/>
+          <a:lstStyle>
+            <a:lvl1pPr algn="r">
+              <a:defRPr sz="1000"/>
+            </a:lvl1pPr>
+          </a:lstStyle>
+          <a:p>
+            <a:fld id="{2BF067CD-8E6B-4360-9AA8-C5DF2A48A6D1}" type="slidenum">
+              <a:rPr lang="en-US" noProof="0" smtClean="0"/>
+              <a:pPr/>
+              <a:t>20</a:t>
+            </a:fld>
+            <a:endParaRPr lang="en-US" noProof="0" dirty="0"/>
+          </a:p>
+        </p:txBody>
+      </p:sp>
+    </p:spTree>
+    <p:extLst>
+      <p:ext uri="{BB962C8B-B14F-4D97-AF65-F5344CB8AC3E}">
+        <p14:creationId xmlns:p14="http://schemas.microsoft.com/office/powerpoint/2010/main" val="3879276042"/>
+      </p:ext>
+    </p:extLst>
+  </p:cSld>
+  <p:clrMapOvr>
+    <a:masterClrMapping/>
+  </p:clrMapOvr>
+  <mc:AlternateContent xmlns:mc="http://schemas.openxmlformats.org/markup-compatibility/2006">
+    <mc:Choice xmlns:p14="http://schemas.microsoft.com/office/powerpoint/2010/main" Requires="p14">
+      <p:transition spd="slow" p14:dur="2000" advClick="0" advTm="5000"/>
+    </mc:Choice>
+    <mc:Fallback>
+      <p:transition spd="slow" advClick="0" advTm="5000"/>
+    </mc:Fallback>
+  </mc:AlternateContent>
+</p:sld>
+</file>
+
 <file path=ppt/slides/slide3.xml><?xml version="1.0" encoding="utf-8"?>
 <p:sld xmlns:a="http://schemas.openxmlformats.org/drawingml/2006/main" xmlns:r="http://schemas.openxmlformats.org/officeDocument/2006/relationships" xmlns:p="http://schemas.openxmlformats.org/presentationml/2006/main">
   <p:cSld>
@@ -11846,14 +11984,13 @@
               </a:ext>
             </a:extLst>
           </a:blip>
-          <a:stretch>
-            <a:fillRect/>
-          </a:stretch>
+          <a:srcRect/>
+          <a:stretch/>
         </p:blipFill>
         <p:spPr>
           <a:xfrm>
-            <a:off x="2631000" y="3639041"/>
-            <a:ext cx="8151708" cy="3118209"/>
+            <a:off x="2640469" y="3016716"/>
+            <a:ext cx="6911062" cy="3636885"/>
           </a:xfrm>
           <a:prstGeom prst="rect">
             <a:avLst/>
@@ -11886,21 +12023,6 @@
         <p:txBody>
           <a:bodyPr/>
           <a:lstStyle/>
-          <a:p>
-            <a:pPr>
-              <a:spcAft>
-                <a:spcPts val="300"/>
-              </a:spcAft>
-            </a:pPr>
-            <a:r>
-              <a:rPr lang="bg-BG" dirty="0"/>
-              <a:t>Спазват се </a:t>
-            </a:r>
-            <a:r>
-              <a:rPr lang="bg-BG" b="1" dirty="0"/>
-              <a:t>определени правила</a:t>
-            </a:r>
-          </a:p>
           <a:p>
             <a:pPr>
               <a:spcAft>
@@ -12125,55 +12247,6 @@
                                     <p:set>
                                       <p:cBhvr>
                                         <p:cTn id="10" dur="1" fill="hold">
-                                          <p:stCondLst>
-                                            <p:cond delay="0"/>
-                                          </p:stCondLst>
-                                        </p:cTn>
-                                        <p:tgtEl>
-                                          <p:spTgt spid="6">
-                                            <p:txEl>
-                                              <p:pRg st="2" end="2"/>
-                                            </p:txEl>
-                                          </p:spTgt>
-                                        </p:tgtEl>
-                                        <p:attrNameLst>
-                                          <p:attrName>style.visibility</p:attrName>
-                                        </p:attrNameLst>
-                                      </p:cBhvr>
-                                      <p:to>
-                                        <p:strVal val="visible"/>
-                                      </p:to>
-                                    </p:set>
-                                  </p:childTnLst>
-                                </p:cTn>
-                              </p:par>
-                            </p:childTnLst>
-                          </p:cTn>
-                        </p:par>
-                      </p:childTnLst>
-                    </p:cTn>
-                  </p:par>
-                  <p:par>
-                    <p:cTn id="11" fill="hold">
-                      <p:stCondLst>
-                        <p:cond delay="indefinite"/>
-                      </p:stCondLst>
-                      <p:childTnLst>
-                        <p:par>
-                          <p:cTn id="12" fill="hold">
-                            <p:stCondLst>
-                              <p:cond delay="0"/>
-                            </p:stCondLst>
-                            <p:childTnLst>
-                              <p:par>
-                                <p:cTn id="13" presetID="1" presetClass="entr" presetSubtype="0" fill="hold" nodeType="clickEffect">
-                                  <p:stCondLst>
-                                    <p:cond delay="0"/>
-                                  </p:stCondLst>
-                                  <p:childTnLst>
-                                    <p:set>
-                                      <p:cBhvr>
-                                        <p:cTn id="14" dur="1" fill="hold">
                                           <p:stCondLst>
                                             <p:cond delay="0"/>
                                           </p:stCondLst>
@@ -14027,14 +14100,13 @@
               </a:ext>
             </a:extLst>
           </a:blip>
-          <a:stretch>
-            <a:fillRect/>
-          </a:stretch>
+          <a:srcRect/>
+          <a:stretch/>
         </p:blipFill>
         <p:spPr>
           <a:xfrm>
-            <a:off x="818657" y="1191578"/>
-            <a:ext cx="10554686" cy="5514464"/>
+            <a:off x="856516" y="1191578"/>
+            <a:ext cx="10478967" cy="5514464"/>
           </a:xfrm>
           <a:prstGeom prst="rect">
             <a:avLst/>
